--- a/Lab14 Open Lab/slides.pptx
+++ b/Lab14 Open Lab/slides.pptx
@@ -6,11 +6,11 @@
   </p:sldMasterIdLst>
   <p:sldIdLst>
     <p:sldId id="256" r:id="rId2"/>
-    <p:sldId id="263" r:id="rId3"/>
+    <p:sldId id="264" r:id="rId3"/>
     <p:sldId id="257" r:id="rId4"/>
     <p:sldId id="258" r:id="rId5"/>
-    <p:sldId id="262" r:id="rId6"/>
-    <p:sldId id="261" r:id="rId7"/>
+    <p:sldId id="265" r:id="rId6"/>
+    <p:sldId id="266" r:id="rId7"/>
     <p:sldId id="259" r:id="rId8"/>
     <p:sldId id="260" r:id="rId9"/>
   </p:sldIdLst>
@@ -688,13 +688,13 @@
   <p:clrMapOvr>
     <a:masterClrMapping/>
   </p:clrMapOvr>
-  <mc:AlternateContent xmlns:mc="http://schemas.openxmlformats.org/markup-compatibility/2006">
-    <mc:Choice xmlns:p159="http://schemas.microsoft.com/office/powerpoint/2015/09/main" Requires="p159">
+  <mc:AlternateContent xmlns:mc="http://schemas.openxmlformats.org/markup-compatibility/2006" xmlns:p159="http://schemas.microsoft.com/office/powerpoint/2015/09/main">
+    <mc:Choice Requires="p159">
       <p:transition spd="slow">
         <p159:morph option="byObject"/>
       </p:transition>
     </mc:Choice>
-    <mc:Fallback>
+    <mc:Fallback xmlns="">
       <p:transition spd="slow">
         <p:fade/>
       </p:transition>
@@ -898,13 +898,13 @@
   <p:clrMapOvr>
     <a:masterClrMapping/>
   </p:clrMapOvr>
-  <mc:AlternateContent xmlns:mc="http://schemas.openxmlformats.org/markup-compatibility/2006">
-    <mc:Choice xmlns:p159="http://schemas.microsoft.com/office/powerpoint/2015/09/main" Requires="p159">
+  <mc:AlternateContent xmlns:mc="http://schemas.openxmlformats.org/markup-compatibility/2006" xmlns:p159="http://schemas.microsoft.com/office/powerpoint/2015/09/main">
+    <mc:Choice Requires="p159">
       <p:transition spd="slow">
         <p159:morph option="byObject"/>
       </p:transition>
     </mc:Choice>
-    <mc:Fallback>
+    <mc:Fallback xmlns="">
       <p:transition spd="slow">
         <p:fade/>
       </p:transition>
@@ -1118,13 +1118,13 @@
   <p:clrMapOvr>
     <a:masterClrMapping/>
   </p:clrMapOvr>
-  <mc:AlternateContent xmlns:mc="http://schemas.openxmlformats.org/markup-compatibility/2006">
-    <mc:Choice xmlns:p159="http://schemas.microsoft.com/office/powerpoint/2015/09/main" Requires="p159">
+  <mc:AlternateContent xmlns:mc="http://schemas.openxmlformats.org/markup-compatibility/2006" xmlns:p159="http://schemas.microsoft.com/office/powerpoint/2015/09/main">
+    <mc:Choice Requires="p159">
       <p:transition spd="slow">
         <p159:morph option="byObject"/>
       </p:transition>
     </mc:Choice>
-    <mc:Fallback>
+    <mc:Fallback xmlns="">
       <p:transition spd="slow">
         <p:fade/>
       </p:transition>
@@ -1983,13 +1983,13 @@
   <p:clrMapOvr>
     <a:masterClrMapping/>
   </p:clrMapOvr>
-  <mc:AlternateContent xmlns:mc="http://schemas.openxmlformats.org/markup-compatibility/2006">
-    <mc:Choice xmlns:p159="http://schemas.microsoft.com/office/powerpoint/2015/09/main" Requires="p159">
+  <mc:AlternateContent xmlns:mc="http://schemas.openxmlformats.org/markup-compatibility/2006" xmlns:p159="http://schemas.microsoft.com/office/powerpoint/2015/09/main">
+    <mc:Choice Requires="p159">
       <p:transition spd="slow">
         <p159:morph option="byObject"/>
       </p:transition>
     </mc:Choice>
-    <mc:Fallback>
+    <mc:Fallback xmlns="">
       <p:transition spd="slow">
         <p:fade/>
       </p:transition>
@@ -2611,13 +2611,13 @@
   <p:clrMapOvr>
     <a:masterClrMapping/>
   </p:clrMapOvr>
-  <mc:AlternateContent xmlns:mc="http://schemas.openxmlformats.org/markup-compatibility/2006">
-    <mc:Choice xmlns:p159="http://schemas.microsoft.com/office/powerpoint/2015/09/main" Requires="p159">
+  <mc:AlternateContent xmlns:mc="http://schemas.openxmlformats.org/markup-compatibility/2006" xmlns:p159="http://schemas.microsoft.com/office/powerpoint/2015/09/main">
+    <mc:Choice Requires="p159">
       <p:transition spd="slow">
         <p159:morph option="byObject"/>
       </p:transition>
     </mc:Choice>
-    <mc:Fallback>
+    <mc:Fallback xmlns="">
       <p:transition spd="slow">
         <p:fade/>
       </p:transition>
@@ -3521,13 +3521,13 @@
   <p:clrMapOvr>
     <a:masterClrMapping/>
   </p:clrMapOvr>
-  <mc:AlternateContent xmlns:mc="http://schemas.openxmlformats.org/markup-compatibility/2006">
-    <mc:Choice xmlns:p159="http://schemas.microsoft.com/office/powerpoint/2015/09/main" Requires="p159">
+  <mc:AlternateContent xmlns:mc="http://schemas.openxmlformats.org/markup-compatibility/2006" xmlns:p159="http://schemas.microsoft.com/office/powerpoint/2015/09/main">
+    <mc:Choice Requires="p159">
       <p:transition spd="slow">
         <p159:morph option="byObject"/>
       </p:transition>
     </mc:Choice>
-    <mc:Fallback>
+    <mc:Fallback xmlns="">
       <p:transition spd="slow">
         <p:fade/>
       </p:transition>
@@ -4581,13 +4581,13 @@
   <p:clrMapOvr>
     <a:masterClrMapping/>
   </p:clrMapOvr>
-  <mc:AlternateContent xmlns:mc="http://schemas.openxmlformats.org/markup-compatibility/2006">
-    <mc:Choice xmlns:p159="http://schemas.microsoft.com/office/powerpoint/2015/09/main" Requires="p159">
+  <mc:AlternateContent xmlns:mc="http://schemas.openxmlformats.org/markup-compatibility/2006" xmlns:p159="http://schemas.microsoft.com/office/powerpoint/2015/09/main">
+    <mc:Choice Requires="p159">
       <p:transition spd="slow">
         <p159:morph option="byObject"/>
       </p:transition>
     </mc:Choice>
-    <mc:Fallback>
+    <mc:Fallback xmlns="">
       <p:transition spd="slow">
         <p:fade/>
       </p:transition>
@@ -5082,13 +5082,13 @@
   <p:clrMapOvr>
     <a:masterClrMapping/>
   </p:clrMapOvr>
-  <mc:AlternateContent xmlns:mc="http://schemas.openxmlformats.org/markup-compatibility/2006">
-    <mc:Choice xmlns:p159="http://schemas.microsoft.com/office/powerpoint/2015/09/main" Requires="p159">
+  <mc:AlternateContent xmlns:mc="http://schemas.openxmlformats.org/markup-compatibility/2006" xmlns:p159="http://schemas.microsoft.com/office/powerpoint/2015/09/main">
+    <mc:Choice Requires="p159">
       <p:transition spd="slow">
         <p159:morph option="byObject"/>
       </p:transition>
     </mc:Choice>
-    <mc:Fallback>
+    <mc:Fallback xmlns="">
       <p:transition spd="slow">
         <p:fade/>
       </p:transition>
@@ -5207,13 +5207,13 @@
   <p:clrMapOvr>
     <a:masterClrMapping/>
   </p:clrMapOvr>
-  <mc:AlternateContent xmlns:mc="http://schemas.openxmlformats.org/markup-compatibility/2006">
-    <mc:Choice xmlns:p159="http://schemas.microsoft.com/office/powerpoint/2015/09/main" Requires="p159">
+  <mc:AlternateContent xmlns:mc="http://schemas.openxmlformats.org/markup-compatibility/2006" xmlns:p159="http://schemas.microsoft.com/office/powerpoint/2015/09/main">
+    <mc:Choice Requires="p159">
       <p:transition spd="slow">
         <p159:morph option="byObject"/>
       </p:transition>
     </mc:Choice>
-    <mc:Fallback>
+    <mc:Fallback xmlns="">
       <p:transition spd="slow">
         <p:fade/>
       </p:transition>
@@ -5868,13 +5868,13 @@
   <p:clrMapOvr>
     <a:masterClrMapping/>
   </p:clrMapOvr>
-  <mc:AlternateContent xmlns:mc="http://schemas.openxmlformats.org/markup-compatibility/2006">
-    <mc:Choice xmlns:p159="http://schemas.microsoft.com/office/powerpoint/2015/09/main" Requires="p159">
+  <mc:AlternateContent xmlns:mc="http://schemas.openxmlformats.org/markup-compatibility/2006" xmlns:p159="http://schemas.microsoft.com/office/powerpoint/2015/09/main">
+    <mc:Choice Requires="p159">
       <p:transition spd="slow">
         <p159:morph option="byObject"/>
       </p:transition>
     </mc:Choice>
-    <mc:Fallback>
+    <mc:Fallback xmlns="">
       <p:transition spd="slow">
         <p:fade/>
       </p:transition>
@@ -6508,13 +6508,13 @@
   <p:clrMapOvr>
     <a:masterClrMapping/>
   </p:clrMapOvr>
-  <mc:AlternateContent xmlns:mc="http://schemas.openxmlformats.org/markup-compatibility/2006">
-    <mc:Choice xmlns:p159="http://schemas.microsoft.com/office/powerpoint/2015/09/main" Requires="p159">
+  <mc:AlternateContent xmlns:mc="http://schemas.openxmlformats.org/markup-compatibility/2006" xmlns:p159="http://schemas.microsoft.com/office/powerpoint/2015/09/main">
+    <mc:Choice Requires="p159">
       <p:transition spd="slow">
         <p159:morph option="byObject"/>
       </p:transition>
     </mc:Choice>
-    <mc:Fallback>
+    <mc:Fallback xmlns="">
       <p:transition spd="slow">
         <p:fade/>
       </p:transition>
@@ -6808,13 +6808,13 @@
     <p:sldLayoutId id="2147483690" r:id="rId10"/>
     <p:sldLayoutId id="2147483692" r:id="rId11"/>
   </p:sldLayoutIdLst>
-  <mc:AlternateContent xmlns:mc="http://schemas.openxmlformats.org/markup-compatibility/2006">
-    <mc:Choice xmlns:p159="http://schemas.microsoft.com/office/powerpoint/2015/09/main" Requires="p159">
+  <mc:AlternateContent xmlns:mc="http://schemas.openxmlformats.org/markup-compatibility/2006" xmlns:p159="http://schemas.microsoft.com/office/powerpoint/2015/09/main">
+    <mc:Choice Requires="p159">
       <p:transition spd="slow">
         <p159:morph option="byObject"/>
       </p:transition>
     </mc:Choice>
-    <mc:Fallback>
+    <mc:Fallback xmlns="">
       <p:transition spd="slow">
         <p:fade/>
       </p:transition>
@@ -7680,121 +7680,6 @@
           </a:p>
         </p:txBody>
       </p:sp>
-      <p:pic>
-        <p:nvPicPr>
-          <p:cNvPr id="22" name="Picture 21" descr="A green and black pattern of leaves&#10;&#10;Description automatically generated">
-            <a:extLst>
-              <a:ext uri="{FF2B5EF4-FFF2-40B4-BE49-F238E27FC236}">
-                <a16:creationId xmlns:a16="http://schemas.microsoft.com/office/drawing/2014/main" id="{A8B07D43-CC96-2879-1112-1173346AEEEB}"/>
-              </a:ext>
-            </a:extLst>
-          </p:cNvPr>
-          <p:cNvPicPr>
-            <a:picLocks noChangeAspect="1"/>
-          </p:cNvPicPr>
-          <p:nvPr/>
-        </p:nvPicPr>
-        <p:blipFill>
-          <a:blip r:embed="rId2">
-            <a:alphaModFix amt="20000"/>
-          </a:blip>
-          <a:srcRect t="5418" b="19582"/>
-          <a:stretch/>
-        </p:blipFill>
-        <p:spPr>
-          <a:xfrm>
-            <a:off x="20" y="10"/>
-            <a:ext cx="9143979" cy="6857990"/>
-          </a:xfrm>
-          <a:prstGeom prst="rect">
-            <a:avLst/>
-          </a:prstGeom>
-        </p:spPr>
-      </p:pic>
-      <p:sp>
-        <p:nvSpPr>
-          <p:cNvPr id="2" name="Title 1"/>
-          <p:cNvSpPr>
-            <a:spLocks noGrp="1"/>
-          </p:cNvSpPr>
-          <p:nvPr>
-            <p:ph type="title"/>
-          </p:nvPr>
-        </p:nvSpPr>
-        <p:spPr>
-          <a:xfrm>
-            <a:off x="480060" y="853673"/>
-            <a:ext cx="3017520" cy="5004794"/>
-          </a:xfrm>
-        </p:spPr>
-        <p:txBody>
-          <a:bodyPr vert="horz" lIns="91440" tIns="45720" rIns="91440" bIns="45720" rtlCol="0" anchor="ctr">
-            <a:normAutofit/>
-          </a:bodyPr>
-          <a:lstStyle/>
-          <a:p>
-            <a:pPr algn="l"/>
-            <a:r>
-              <a:rPr lang="en-US" sz="5800" dirty="0"/>
-              <a:t>Hub Identification in Global Flight Network</a:t>
-            </a:r>
-          </a:p>
-        </p:txBody>
-      </p:sp>
-      <p:sp>
-        <p:nvSpPr>
-          <p:cNvPr id="3" name="TextBox 2"/>
-          <p:cNvSpPr txBox="1"/>
-          <p:nvPr/>
-        </p:nvSpPr>
-        <p:spPr>
-          <a:xfrm>
-            <a:off x="4199312" y="853673"/>
-            <a:ext cx="4286250" cy="5004794"/>
-          </a:xfrm>
-          <a:prstGeom prst="rect">
-            <a:avLst/>
-          </a:prstGeom>
-        </p:spPr>
-        <p:txBody>
-          <a:bodyPr vert="horz" lIns="91440" tIns="45720" rIns="91440" bIns="45720" rtlCol="0" anchor="ctr">
-            <a:normAutofit/>
-          </a:bodyPr>
-          <a:lstStyle/>
-          <a:p>
-            <a:pPr indent="-228600" defTabSz="914400">
-              <a:spcAft>
-                <a:spcPts val="600"/>
-              </a:spcAft>
-              <a:buFont typeface="Arial" panose="020B0604020202020204" pitchFamily="34" charset="0"/>
-              <a:buChar char="•"/>
-            </a:pPr>
-            <a:endParaRPr lang="en-US" dirty="0"/>
-          </a:p>
-          <a:p>
-            <a:pPr defTabSz="914400">
-              <a:spcAft>
-                <a:spcPts val="600"/>
-              </a:spcAft>
-            </a:pPr>
-            <a:r>
-              <a:rPr lang="en-US" sz="6000" b="1" dirty="0"/>
-              <a:t>Objective: </a:t>
-            </a:r>
-          </a:p>
-          <a:p>
-            <a:pPr defTabSz="914400">
-              <a:spcAft>
-                <a:spcPts val="600"/>
-              </a:spcAft>
-            </a:pPr>
-            <a:r>
-              <a:rPr lang="en-US" sz="4800" b="1" dirty="0"/>
-              <a:t>Identify critical hubs in the global air network using centrality measures.</a:t>
-            </a:r>
-          </a:p>
-        </p:txBody>
-      </p:sp>
       <p:sp>
         <p:nvSpPr>
           <p:cNvPr id="13" name="sketchy content container">
@@ -8210,18 +8095,302 @@
           </a:p>
         </p:txBody>
       </p:sp>
+      <p:sp>
+        <p:nvSpPr>
+          <p:cNvPr id="4" name="Rectangle 3">
+            <a:extLst>
+              <a:ext uri="{FF2B5EF4-FFF2-40B4-BE49-F238E27FC236}">
+                <a16:creationId xmlns:a16="http://schemas.microsoft.com/office/drawing/2014/main" id="{9AC6D047-E410-2574-8C25-9540443685FC}"/>
+              </a:ext>
+            </a:extLst>
+          </p:cNvPr>
+          <p:cNvSpPr/>
+          <p:nvPr/>
+        </p:nvSpPr>
+        <p:spPr>
+          <a:xfrm>
+            <a:off x="-42102" y="-12925"/>
+            <a:ext cx="9183816" cy="6951136"/>
+          </a:xfrm>
+          <a:prstGeom prst="rect">
+            <a:avLst/>
+          </a:prstGeom>
+          <a:solidFill>
+            <a:schemeClr val="bg1"/>
+          </a:solidFill>
+          <a:ln>
+            <a:noFill/>
+          </a:ln>
+        </p:spPr>
+        <p:style>
+          <a:lnRef idx="2">
+            <a:schemeClr val="accent1">
+              <a:shade val="15000"/>
+            </a:schemeClr>
+          </a:lnRef>
+          <a:fillRef idx="1">
+            <a:schemeClr val="accent1"/>
+          </a:fillRef>
+          <a:effectRef idx="0">
+            <a:schemeClr val="accent1"/>
+          </a:effectRef>
+          <a:fontRef idx="minor">
+            <a:schemeClr val="lt1"/>
+          </a:fontRef>
+        </p:style>
+        <p:txBody>
+          <a:bodyPr rtlCol="0" anchor="ctr"/>
+          <a:lstStyle/>
+          <a:p>
+            <a:pPr algn="ctr"/>
+            <a:endParaRPr lang="en-US"/>
+          </a:p>
+        </p:txBody>
+      </p:sp>
+      <p:pic>
+        <p:nvPicPr>
+          <p:cNvPr id="22" name="Picture 21" descr="A green and black pattern of leaves&#10;&#10;Description automatically generated">
+            <a:extLst>
+              <a:ext uri="{FF2B5EF4-FFF2-40B4-BE49-F238E27FC236}">
+                <a16:creationId xmlns:a16="http://schemas.microsoft.com/office/drawing/2014/main" id="{A8B07D43-CC96-2879-1112-1173346AEEEB}"/>
+              </a:ext>
+            </a:extLst>
+          </p:cNvPr>
+          <p:cNvPicPr>
+            <a:picLocks noChangeAspect="1"/>
+          </p:cNvPicPr>
+          <p:nvPr/>
+        </p:nvPicPr>
+        <p:blipFill>
+          <a:blip r:embed="rId2">
+            <a:alphaModFix amt="20000"/>
+          </a:blip>
+          <a:srcRect t="5418" b="19582"/>
+          <a:stretch/>
+        </p:blipFill>
+        <p:spPr>
+          <a:xfrm>
+            <a:off x="21" y="12935"/>
+            <a:ext cx="9143979" cy="6857990"/>
+          </a:xfrm>
+          <a:prstGeom prst="rect">
+            <a:avLst/>
+          </a:prstGeom>
+        </p:spPr>
+      </p:pic>
+      <p:sp>
+        <p:nvSpPr>
+          <p:cNvPr id="2" name="Title 1"/>
+          <p:cNvSpPr>
+            <a:spLocks noGrp="1"/>
+          </p:cNvSpPr>
+          <p:nvPr>
+            <p:ph type="title"/>
+          </p:nvPr>
+        </p:nvSpPr>
+        <p:spPr>
+          <a:xfrm>
+            <a:off x="302895" y="484632"/>
+            <a:ext cx="8535924" cy="2798064"/>
+          </a:xfrm>
+        </p:spPr>
+        <p:txBody>
+          <a:bodyPr vert="horz" lIns="91440" tIns="45720" rIns="91440" bIns="45720" rtlCol="0" anchor="ctr">
+            <a:normAutofit/>
+          </a:bodyPr>
+          <a:lstStyle/>
+          <a:p>
+            <a:r>
+              <a:rPr lang="en-US" sz="8000" dirty="0"/>
+              <a:t>Hub Identification in Global Flight Network</a:t>
+            </a:r>
+          </a:p>
+        </p:txBody>
+      </p:sp>
+      <p:sp>
+        <p:nvSpPr>
+          <p:cNvPr id="3" name="TextBox 2"/>
+          <p:cNvSpPr txBox="1"/>
+          <p:nvPr/>
+        </p:nvSpPr>
+        <p:spPr>
+          <a:xfrm>
+            <a:off x="105932" y="4045875"/>
+            <a:ext cx="7099540" cy="2798064"/>
+          </a:xfrm>
+          <a:prstGeom prst="rect">
+            <a:avLst/>
+          </a:prstGeom>
+        </p:spPr>
+        <p:txBody>
+          <a:bodyPr vert="horz" lIns="91440" tIns="45720" rIns="91440" bIns="45720" rtlCol="0" anchor="ctr">
+            <a:normAutofit lnSpcReduction="10000"/>
+          </a:bodyPr>
+          <a:lstStyle/>
+          <a:p>
+            <a:pPr indent="-228600" defTabSz="914400">
+              <a:spcAft>
+                <a:spcPts val="600"/>
+              </a:spcAft>
+              <a:buFont typeface="Arial" panose="020B0604020202020204" pitchFamily="34" charset="0"/>
+              <a:buChar char="•"/>
+            </a:pPr>
+            <a:r>
+              <a:rPr lang="en-US" sz="3200" dirty="0"/>
+              <a:t>Lab 14 Open Ended Lab</a:t>
+            </a:r>
+          </a:p>
+          <a:p>
+            <a:pPr indent="-228600" defTabSz="914400">
+              <a:spcAft>
+                <a:spcPts val="600"/>
+              </a:spcAft>
+              <a:buFont typeface="Arial" panose="020B0604020202020204" pitchFamily="34" charset="0"/>
+              <a:buChar char="•"/>
+            </a:pPr>
+            <a:r>
+              <a:rPr lang="en-US" sz="3200" dirty="0"/>
+              <a:t>Group Members:</a:t>
+            </a:r>
+          </a:p>
+          <a:p>
+            <a:pPr indent="-228600" defTabSz="914400">
+              <a:spcAft>
+                <a:spcPts val="600"/>
+              </a:spcAft>
+              <a:buFont typeface="Arial" panose="020B0604020202020204" pitchFamily="34" charset="0"/>
+              <a:buChar char="•"/>
+            </a:pPr>
+            <a:r>
+              <a:rPr lang="en-US" sz="3200" dirty="0"/>
+              <a:t>Muhammad Hamza (407251)</a:t>
+            </a:r>
+          </a:p>
+          <a:p>
+            <a:pPr indent="-228600" defTabSz="914400">
+              <a:spcAft>
+                <a:spcPts val="600"/>
+              </a:spcAft>
+              <a:buFont typeface="Arial" panose="020B0604020202020204" pitchFamily="34" charset="0"/>
+              <a:buChar char="•"/>
+            </a:pPr>
+            <a:r>
+              <a:rPr lang="en-US" sz="3200" dirty="0"/>
+              <a:t>Aqsa Batool (413777)</a:t>
+            </a:r>
+          </a:p>
+          <a:p>
+            <a:pPr indent="-228600" defTabSz="914400">
+              <a:spcAft>
+                <a:spcPts val="600"/>
+              </a:spcAft>
+              <a:buFont typeface="Arial" panose="020B0604020202020204" pitchFamily="34" charset="0"/>
+              <a:buChar char="•"/>
+            </a:pPr>
+            <a:r>
+              <a:rPr lang="en-US" sz="3200" dirty="0"/>
+              <a:t>Ahmed Mohiuddin Shah (415216)</a:t>
+            </a:r>
+          </a:p>
+        </p:txBody>
+      </p:sp>
+      <p:pic>
+        <p:nvPicPr>
+          <p:cNvPr id="6" name="Picture 5" descr="A map of the world with red dots&#10;&#10;Description automatically generated">
+            <a:extLst>
+              <a:ext uri="{FF2B5EF4-FFF2-40B4-BE49-F238E27FC236}">
+                <a16:creationId xmlns:a16="http://schemas.microsoft.com/office/drawing/2014/main" id="{57BB7D16-D53A-99C6-465C-6C387B3575A0}"/>
+              </a:ext>
+            </a:extLst>
+          </p:cNvPr>
+          <p:cNvPicPr>
+            <a:picLocks noChangeAspect="1"/>
+          </p:cNvPicPr>
+          <p:nvPr/>
+        </p:nvPicPr>
+        <p:blipFill>
+          <a:blip r:embed="rId3"/>
+          <a:stretch>
+            <a:fillRect/>
+          </a:stretch>
+        </p:blipFill>
+        <p:spPr>
+          <a:xfrm>
+            <a:off x="255916" y="8428819"/>
+            <a:ext cx="8629882" cy="4427323"/>
+          </a:xfrm>
+          <a:prstGeom prst="rect">
+            <a:avLst/>
+          </a:prstGeom>
+        </p:spPr>
+      </p:pic>
+      <p:sp>
+        <p:nvSpPr>
+          <p:cNvPr id="7" name="Title 1">
+            <a:extLst>
+              <a:ext uri="{FF2B5EF4-FFF2-40B4-BE49-F238E27FC236}">
+                <a16:creationId xmlns:a16="http://schemas.microsoft.com/office/drawing/2014/main" id="{9C76B618-06F6-FBC4-283D-DB64CA533446}"/>
+              </a:ext>
+            </a:extLst>
+          </p:cNvPr>
+          <p:cNvSpPr txBox="1">
+            <a:spLocks/>
+          </p:cNvSpPr>
+          <p:nvPr/>
+        </p:nvSpPr>
+        <p:spPr>
+          <a:xfrm>
+            <a:off x="302895" y="7680960"/>
+            <a:ext cx="8535924" cy="1636399"/>
+          </a:xfrm>
+          <a:prstGeom prst="rect">
+            <a:avLst/>
+          </a:prstGeom>
+        </p:spPr>
+        <p:txBody>
+          <a:bodyPr vert="horz" lIns="91440" tIns="45720" rIns="91440" bIns="45720" rtlCol="0" anchor="ctr">
+            <a:normAutofit/>
+          </a:bodyPr>
+          <a:lstStyle>
+            <a:lvl1pPr algn="ctr" defTabSz="914400" rtl="0" eaLnBrk="1" latinLnBrk="0" hangingPunct="1">
+              <a:lnSpc>
+                <a:spcPct val="100000"/>
+              </a:lnSpc>
+              <a:spcBef>
+                <a:spcPct val="0"/>
+              </a:spcBef>
+              <a:buNone/>
+              <a:defRPr sz="7800" kern="1200">
+                <a:solidFill>
+                  <a:schemeClr val="tx1"/>
+                </a:solidFill>
+                <a:latin typeface="+mj-lt"/>
+                <a:ea typeface="+mj-ea"/>
+                <a:cs typeface="+mj-cs"/>
+              </a:defRPr>
+            </a:lvl1pPr>
+          </a:lstStyle>
+          <a:p>
+            <a:r>
+              <a:rPr lang="en-US" sz="8000"/>
+              <a:t>Global Flight Network</a:t>
+            </a:r>
+            <a:endParaRPr lang="en-US" sz="8000" dirty="0"/>
+          </a:p>
+        </p:txBody>
+      </p:sp>
     </p:spTree>
   </p:cSld>
   <p:clrMapOvr>
     <a:overrideClrMapping bg1="dk1" tx1="lt1" bg2="dk2" tx2="lt2" accent1="accent1" accent2="accent2" accent3="accent3" accent4="accent4" accent5="accent5" accent6="accent6" hlink="hlink" folHlink="folHlink"/>
   </p:clrMapOvr>
-  <mc:AlternateContent xmlns:mc="http://schemas.openxmlformats.org/markup-compatibility/2006">
-    <mc:Choice xmlns:p159="http://schemas.microsoft.com/office/powerpoint/2015/09/main" Requires="p159">
+  <mc:AlternateContent xmlns:mc="http://schemas.openxmlformats.org/markup-compatibility/2006" xmlns:p159="http://schemas.microsoft.com/office/powerpoint/2015/09/main">
+    <mc:Choice Requires="p159">
       <p:transition spd="slow">
         <p159:morph option="byObject"/>
       </p:transition>
     </mc:Choice>
-    <mc:Fallback>
+    <mc:Fallback xmlns="">
       <p:transition spd="slow">
         <p:fade/>
       </p:transition>
@@ -8246,7 +8415,7 @@
         <p:cNvPr id="1" name="">
           <a:extLst>
             <a:ext uri="{FF2B5EF4-FFF2-40B4-BE49-F238E27FC236}">
-              <a16:creationId xmlns:a16="http://schemas.microsoft.com/office/drawing/2014/main" id="{1B9302AB-465C-34AD-A8DF-352F3DD90EB2}"/>
+              <a16:creationId xmlns:a16="http://schemas.microsoft.com/office/drawing/2014/main" id="{0689C870-1B86-7AA0-67B5-11576271A2FC}"/>
             </a:ext>
           </a:extLst>
         </p:cNvPr>
@@ -8263,10 +8432,63 @@
       </p:grpSpPr>
       <p:sp>
         <p:nvSpPr>
+          <p:cNvPr id="9" name="TextBox 8">
+            <a:extLst>
+              <a:ext uri="{FF2B5EF4-FFF2-40B4-BE49-F238E27FC236}">
+                <a16:creationId xmlns:a16="http://schemas.microsoft.com/office/drawing/2014/main" id="{65DEF857-FD39-26D9-9A3C-A5F09F88D528}"/>
+              </a:ext>
+            </a:extLst>
+          </p:cNvPr>
+          <p:cNvSpPr txBox="1"/>
+          <p:nvPr/>
+        </p:nvSpPr>
+        <p:spPr>
+          <a:xfrm>
+            <a:off x="-28752800" y="-32131000"/>
+            <a:ext cx="72948800" cy="71120000"/>
+          </a:xfrm>
+          <a:prstGeom prst="rect">
+            <a:avLst/>
+          </a:prstGeom>
+        </p:spPr>
+        <p:txBody>
+          <a:bodyPr vert="horz" lIns="91440" tIns="45720" rIns="91440" bIns="45720" rtlCol="0" anchor="ctr">
+            <a:normAutofit fontScale="85000" lnSpcReduction="20000"/>
+          </a:bodyPr>
+          <a:lstStyle/>
+          <a:p>
+            <a:pPr indent="-228600" defTabSz="914400">
+              <a:spcAft>
+                <a:spcPts val="600"/>
+              </a:spcAft>
+              <a:buFont typeface="Arial" panose="020B0604020202020204" pitchFamily="34" charset="0"/>
+              <a:buChar char="•"/>
+            </a:pPr>
+            <a:endParaRPr lang="en-US" sz="22900" dirty="0"/>
+          </a:p>
+          <a:p>
+            <a:pPr defTabSz="914400">
+              <a:spcAft>
+                <a:spcPts val="600"/>
+              </a:spcAft>
+            </a:pPr>
+            <a:r>
+              <a:rPr lang="en-US" sz="142600" b="1" dirty="0"/>
+              <a:t>Used Random Forest to predict closeness and betweenness centralities</a:t>
+            </a:r>
+            <a:r>
+              <a:rPr lang="en-US" sz="171000" b="1" dirty="0"/>
+              <a:t>.</a:t>
+            </a:r>
+          </a:p>
+        </p:txBody>
+      </p:sp>
+      <p:sp>
+        <p:nvSpPr>
           <p:cNvPr id="21" name="Rectangle 20">
             <a:extLst>
               <a:ext uri="{FF2B5EF4-FFF2-40B4-BE49-F238E27FC236}">
-                <a16:creationId xmlns:a16="http://schemas.microsoft.com/office/drawing/2014/main" id="{66F36A79-FB7D-FB0F-2888-D29798685180}"/>
+                <a16:creationId xmlns:a16="http://schemas.microsoft.com/office/drawing/2014/main" id="{F84D1493-437C-B02A-B8C1-82F188171E2E}"/>
               </a:ext>
               <a:ext uri="{C183D7F6-B498-43B3-948B-1728B52AA6E4}">
                 <adec:decorative xmlns:adec="http://schemas.microsoft.com/office/drawing/2017/decorative" val="1"/>
@@ -8758,7 +8980,7 @@
           <p:cNvPr id="11" name="Rectangle 10">
             <a:extLst>
               <a:ext uri="{FF2B5EF4-FFF2-40B4-BE49-F238E27FC236}">
-                <a16:creationId xmlns:a16="http://schemas.microsoft.com/office/drawing/2014/main" id="{F986EB29-7FF4-C366-8824-99DB3DC4102A}"/>
+                <a16:creationId xmlns:a16="http://schemas.microsoft.com/office/drawing/2014/main" id="{7AD8ECC6-D7E4-D28B-ECBB-7FB7A2E0A8DB}"/>
               </a:ext>
               <a:ext uri="{C183D7F6-B498-43B3-948B-1728B52AA6E4}">
                 <adec:decorative xmlns:adec="http://schemas.microsoft.com/office/drawing/2017/decorative" val="1"/>
@@ -8813,43 +9035,12 @@
           </a:p>
         </p:txBody>
       </p:sp>
-      <p:pic>
-        <p:nvPicPr>
-          <p:cNvPr id="22" name="Picture 21" descr="A green and black pattern of leaves&#10;&#10;Description automatically generated">
-            <a:extLst>
-              <a:ext uri="{FF2B5EF4-FFF2-40B4-BE49-F238E27FC236}">
-                <a16:creationId xmlns:a16="http://schemas.microsoft.com/office/drawing/2014/main" id="{0914C7DA-F6D7-8780-34CB-19605881F427}"/>
-              </a:ext>
-            </a:extLst>
-          </p:cNvPr>
-          <p:cNvPicPr>
-            <a:picLocks noChangeAspect="1"/>
-          </p:cNvPicPr>
-          <p:nvPr/>
-        </p:nvPicPr>
-        <p:blipFill>
-          <a:blip r:embed="rId2">
-            <a:alphaModFix amt="20000"/>
-          </a:blip>
-          <a:srcRect t="5418" b="19582"/>
-          <a:stretch/>
-        </p:blipFill>
-        <p:spPr>
-          <a:xfrm>
-            <a:off x="20" y="10"/>
-            <a:ext cx="9143979" cy="6857990"/>
-          </a:xfrm>
-          <a:prstGeom prst="rect">
-            <a:avLst/>
-          </a:prstGeom>
-        </p:spPr>
-      </p:pic>
       <p:sp>
         <p:nvSpPr>
           <p:cNvPr id="13" name="sketchy content container">
             <a:extLst>
               <a:ext uri="{FF2B5EF4-FFF2-40B4-BE49-F238E27FC236}">
-                <a16:creationId xmlns:a16="http://schemas.microsoft.com/office/drawing/2014/main" id="{D03ABC23-B6AC-C44A-324E-C524C8CFFD0E}"/>
+                <a16:creationId xmlns:a16="http://schemas.microsoft.com/office/drawing/2014/main" id="{79303213-6D1E-9ECF-3E00-53412522F777}"/>
               </a:ext>
               <a:ext uri="{C183D7F6-B498-43B3-948B-1728B52AA6E4}">
                 <adec:decorative xmlns:adec="http://schemas.microsoft.com/office/drawing/2017/decorative" val="1"/>
@@ -9261,10 +9452,93 @@
       </p:sp>
       <p:sp>
         <p:nvSpPr>
-          <p:cNvPr id="5" name="Title 4">
+          <p:cNvPr id="4" name="Rectangle 3">
             <a:extLst>
               <a:ext uri="{FF2B5EF4-FFF2-40B4-BE49-F238E27FC236}">
-                <a16:creationId xmlns:a16="http://schemas.microsoft.com/office/drawing/2014/main" id="{DDD105E4-FB3F-FA48-8114-65D6BB9AA446}"/>
+                <a16:creationId xmlns:a16="http://schemas.microsoft.com/office/drawing/2014/main" id="{E6B6EC01-7109-8C3B-FE3E-308780DB5BFE}"/>
+              </a:ext>
+            </a:extLst>
+          </p:cNvPr>
+          <p:cNvSpPr/>
+          <p:nvPr/>
+        </p:nvSpPr>
+        <p:spPr>
+          <a:xfrm>
+            <a:off x="-42102" y="-12925"/>
+            <a:ext cx="9183816" cy="6951136"/>
+          </a:xfrm>
+          <a:prstGeom prst="rect">
+            <a:avLst/>
+          </a:prstGeom>
+          <a:solidFill>
+            <a:schemeClr val="bg1"/>
+          </a:solidFill>
+          <a:ln>
+            <a:noFill/>
+          </a:ln>
+        </p:spPr>
+        <p:style>
+          <a:lnRef idx="2">
+            <a:schemeClr val="accent1">
+              <a:shade val="15000"/>
+            </a:schemeClr>
+          </a:lnRef>
+          <a:fillRef idx="1">
+            <a:schemeClr val="accent1"/>
+          </a:fillRef>
+          <a:effectRef idx="0">
+            <a:schemeClr val="accent1"/>
+          </a:effectRef>
+          <a:fontRef idx="minor">
+            <a:schemeClr val="lt1"/>
+          </a:fontRef>
+        </p:style>
+        <p:txBody>
+          <a:bodyPr rtlCol="0" anchor="ctr"/>
+          <a:lstStyle/>
+          <a:p>
+            <a:pPr algn="ctr"/>
+            <a:endParaRPr lang="en-US"/>
+          </a:p>
+        </p:txBody>
+      </p:sp>
+      <p:pic>
+        <p:nvPicPr>
+          <p:cNvPr id="22" name="Picture 21" descr="A green and black pattern of leaves&#10;&#10;Description automatically generated">
+            <a:extLst>
+              <a:ext uri="{FF2B5EF4-FFF2-40B4-BE49-F238E27FC236}">
+                <a16:creationId xmlns:a16="http://schemas.microsoft.com/office/drawing/2014/main" id="{62ED82CE-7992-618B-498C-32D3DB5B3ACF}"/>
+              </a:ext>
+            </a:extLst>
+          </p:cNvPr>
+          <p:cNvPicPr>
+            <a:picLocks noChangeAspect="1"/>
+          </p:cNvPicPr>
+          <p:nvPr/>
+        </p:nvPicPr>
+        <p:blipFill>
+          <a:blip r:embed="rId2">
+            <a:alphaModFix amt="20000"/>
+          </a:blip>
+          <a:srcRect t="5418" b="19582"/>
+          <a:stretch/>
+        </p:blipFill>
+        <p:spPr>
+          <a:xfrm>
+            <a:off x="21" y="12935"/>
+            <a:ext cx="9143979" cy="6857990"/>
+          </a:xfrm>
+          <a:prstGeom prst="rect">
+            <a:avLst/>
+          </a:prstGeom>
+        </p:spPr>
+      </p:pic>
+      <p:sp>
+        <p:nvSpPr>
+          <p:cNvPr id="2" name="Title 1">
+            <a:extLst>
+              <a:ext uri="{FF2B5EF4-FFF2-40B4-BE49-F238E27FC236}">
+                <a16:creationId xmlns:a16="http://schemas.microsoft.com/office/drawing/2014/main" id="{4D3350F1-59F0-0573-3AA2-56D7EE2576E6}"/>
               </a:ext>
             </a:extLst>
           </p:cNvPr>
@@ -9275,21 +9549,31 @@
             <p:ph type="title"/>
           </p:nvPr>
         </p:nvSpPr>
-        <p:spPr/>
+        <p:spPr>
+          <a:xfrm>
+            <a:off x="302895" y="484632"/>
+            <a:ext cx="8535924" cy="1636399"/>
+          </a:xfrm>
+        </p:spPr>
         <p:txBody>
-          <a:bodyPr/>
+          <a:bodyPr vert="horz" lIns="91440" tIns="45720" rIns="91440" bIns="45720" rtlCol="0" anchor="ctr">
+            <a:normAutofit/>
+          </a:bodyPr>
           <a:lstStyle/>
           <a:p>
-            <a:endParaRPr lang="en-US"/>
+            <a:r>
+              <a:rPr lang="en-US" sz="8000" dirty="0"/>
+              <a:t>Global Flight Network</a:t>
+            </a:r>
           </a:p>
         </p:txBody>
       </p:sp>
       <p:pic>
         <p:nvPicPr>
-          <p:cNvPr id="3" name="Picture 2" descr="A map of the world with red dots&#10;&#10;Description automatically generated">
+          <p:cNvPr id="5" name="Picture 4" descr="A map of the world with red dots&#10;&#10;Description automatically generated">
             <a:extLst>
               <a:ext uri="{FF2B5EF4-FFF2-40B4-BE49-F238E27FC236}">
-                <a16:creationId xmlns:a16="http://schemas.microsoft.com/office/drawing/2014/main" id="{0136E8F6-AADA-724B-4279-2BC7E8AD5FDB}"/>
+                <a16:creationId xmlns:a16="http://schemas.microsoft.com/office/drawing/2014/main" id="{C9EEF9CB-D8EF-7129-6F58-452B8D64AC8A}"/>
               </a:ext>
             </a:extLst>
           </p:cNvPr>
@@ -9306,7 +9590,7 @@
         </p:blipFill>
         <p:spPr>
           <a:xfrm>
-            <a:off x="255916" y="1315109"/>
+            <a:off x="255916" y="2146891"/>
             <a:ext cx="8629882" cy="4427323"/>
           </a:xfrm>
           <a:prstGeom prst="rect">
@@ -9314,10 +9598,214 @@
           </a:prstGeom>
         </p:spPr>
       </p:pic>
+      <p:sp>
+        <p:nvSpPr>
+          <p:cNvPr id="6" name="TextBox 5">
+            <a:extLst>
+              <a:ext uri="{FF2B5EF4-FFF2-40B4-BE49-F238E27FC236}">
+                <a16:creationId xmlns:a16="http://schemas.microsoft.com/office/drawing/2014/main" id="{AF06838C-7CC7-315B-7AD0-726694E4D4FE}"/>
+              </a:ext>
+            </a:extLst>
+          </p:cNvPr>
+          <p:cNvSpPr txBox="1"/>
+          <p:nvPr/>
+        </p:nvSpPr>
+        <p:spPr>
+          <a:xfrm>
+            <a:off x="-7163267" y="4045875"/>
+            <a:ext cx="7099540" cy="2798064"/>
+          </a:xfrm>
+          <a:prstGeom prst="rect">
+            <a:avLst/>
+          </a:prstGeom>
+        </p:spPr>
+        <p:txBody>
+          <a:bodyPr vert="horz" lIns="91440" tIns="45720" rIns="91440" bIns="45720" rtlCol="0" anchor="ctr">
+            <a:normAutofit lnSpcReduction="10000"/>
+          </a:bodyPr>
+          <a:lstStyle/>
+          <a:p>
+            <a:pPr indent="-228600" defTabSz="914400">
+              <a:spcAft>
+                <a:spcPts val="600"/>
+              </a:spcAft>
+              <a:buFont typeface="Arial" panose="020B0604020202020204" pitchFamily="34" charset="0"/>
+              <a:buChar char="•"/>
+            </a:pPr>
+            <a:r>
+              <a:rPr lang="en-US" sz="3200" dirty="0"/>
+              <a:t>Lab 14 Open Ended Lab</a:t>
+            </a:r>
+          </a:p>
+          <a:p>
+            <a:pPr indent="-228600" defTabSz="914400">
+              <a:spcAft>
+                <a:spcPts val="600"/>
+              </a:spcAft>
+              <a:buFont typeface="Arial" panose="020B0604020202020204" pitchFamily="34" charset="0"/>
+              <a:buChar char="•"/>
+            </a:pPr>
+            <a:r>
+              <a:rPr lang="en-US" sz="3200" dirty="0"/>
+              <a:t>Group Members:</a:t>
+            </a:r>
+          </a:p>
+          <a:p>
+            <a:pPr indent="-228600" defTabSz="914400">
+              <a:spcAft>
+                <a:spcPts val="600"/>
+              </a:spcAft>
+              <a:buFont typeface="Arial" panose="020B0604020202020204" pitchFamily="34" charset="0"/>
+              <a:buChar char="•"/>
+            </a:pPr>
+            <a:r>
+              <a:rPr lang="en-US" sz="3200" dirty="0"/>
+              <a:t>Muhammad Hamza (407251)</a:t>
+            </a:r>
+          </a:p>
+          <a:p>
+            <a:pPr indent="-228600" defTabSz="914400">
+              <a:spcAft>
+                <a:spcPts val="600"/>
+              </a:spcAft>
+              <a:buFont typeface="Arial" panose="020B0604020202020204" pitchFamily="34" charset="0"/>
+              <a:buChar char="•"/>
+            </a:pPr>
+            <a:r>
+              <a:rPr lang="en-US" sz="3200" dirty="0"/>
+              <a:t>Aqsa Batool (413777)</a:t>
+            </a:r>
+          </a:p>
+          <a:p>
+            <a:pPr indent="-228600" defTabSz="914400">
+              <a:spcAft>
+                <a:spcPts val="600"/>
+              </a:spcAft>
+              <a:buFont typeface="Arial" panose="020B0604020202020204" pitchFamily="34" charset="0"/>
+              <a:buChar char="•"/>
+            </a:pPr>
+            <a:r>
+              <a:rPr lang="en-US" sz="3200" dirty="0"/>
+              <a:t>Ahmed Mohiuddin Shah (415216)</a:t>
+            </a:r>
+          </a:p>
+        </p:txBody>
+      </p:sp>
+      <p:sp>
+        <p:nvSpPr>
+          <p:cNvPr id="7" name="Title 1">
+            <a:extLst>
+              <a:ext uri="{FF2B5EF4-FFF2-40B4-BE49-F238E27FC236}">
+                <a16:creationId xmlns:a16="http://schemas.microsoft.com/office/drawing/2014/main" id="{3AD63ACB-2CD8-EC26-D5DA-46B4F650DCF7}"/>
+              </a:ext>
+            </a:extLst>
+          </p:cNvPr>
+          <p:cNvSpPr txBox="1">
+            <a:spLocks/>
+          </p:cNvSpPr>
+          <p:nvPr/>
+        </p:nvSpPr>
+        <p:spPr>
+          <a:xfrm>
+            <a:off x="302895" y="-2871312"/>
+            <a:ext cx="8535924" cy="2798064"/>
+          </a:xfrm>
+          <a:prstGeom prst="rect">
+            <a:avLst/>
+          </a:prstGeom>
+        </p:spPr>
+        <p:txBody>
+          <a:bodyPr vert="horz" lIns="91440" tIns="45720" rIns="91440" bIns="45720" rtlCol="0" anchor="ctr">
+            <a:normAutofit/>
+          </a:bodyPr>
+          <a:lstStyle>
+            <a:lvl1pPr algn="ctr" defTabSz="914400" rtl="0" eaLnBrk="1" latinLnBrk="0" hangingPunct="1">
+              <a:lnSpc>
+                <a:spcPct val="100000"/>
+              </a:lnSpc>
+              <a:spcBef>
+                <a:spcPct val="0"/>
+              </a:spcBef>
+              <a:buNone/>
+              <a:defRPr sz="7800" kern="1200">
+                <a:solidFill>
+                  <a:schemeClr val="tx1"/>
+                </a:solidFill>
+                <a:latin typeface="+mj-lt"/>
+                <a:ea typeface="+mj-ea"/>
+                <a:cs typeface="+mj-cs"/>
+              </a:defRPr>
+            </a:lvl1pPr>
+          </a:lstStyle>
+          <a:p>
+            <a:r>
+              <a:rPr lang="en-US" sz="8000"/>
+              <a:t>Hub Identification in Global Flight Network</a:t>
+            </a:r>
+            <a:endParaRPr lang="en-US" sz="8000" dirty="0"/>
+          </a:p>
+        </p:txBody>
+      </p:sp>
+      <p:sp>
+        <p:nvSpPr>
+          <p:cNvPr id="8" name="Title 1">
+            <a:extLst>
+              <a:ext uri="{FF2B5EF4-FFF2-40B4-BE49-F238E27FC236}">
+                <a16:creationId xmlns:a16="http://schemas.microsoft.com/office/drawing/2014/main" id="{78082565-CF06-03A1-DBE3-4AD838ED996B}"/>
+              </a:ext>
+            </a:extLst>
+          </p:cNvPr>
+          <p:cNvSpPr txBox="1">
+            <a:spLocks/>
+          </p:cNvSpPr>
+          <p:nvPr/>
+        </p:nvSpPr>
+        <p:spPr>
+          <a:xfrm>
+            <a:off x="-4016524" y="853673"/>
+            <a:ext cx="3017520" cy="5004794"/>
+          </a:xfrm>
+          <a:prstGeom prst="rect">
+            <a:avLst/>
+          </a:prstGeom>
+        </p:spPr>
+        <p:txBody>
+          <a:bodyPr vert="horz" lIns="91440" tIns="45720" rIns="91440" bIns="45720" rtlCol="0" anchor="ctr">
+            <a:normAutofit/>
+          </a:bodyPr>
+          <a:lstStyle>
+            <a:lvl1pPr algn="ctr" defTabSz="914400" rtl="0" eaLnBrk="1" latinLnBrk="0" hangingPunct="1">
+              <a:lnSpc>
+                <a:spcPct val="100000"/>
+              </a:lnSpc>
+              <a:spcBef>
+                <a:spcPct val="0"/>
+              </a:spcBef>
+              <a:buNone/>
+              <a:defRPr sz="7800" kern="1200">
+                <a:solidFill>
+                  <a:schemeClr val="tx1"/>
+                </a:solidFill>
+                <a:latin typeface="+mj-lt"/>
+                <a:ea typeface="+mj-ea"/>
+                <a:cs typeface="+mj-cs"/>
+              </a:defRPr>
+            </a:lvl1pPr>
+          </a:lstStyle>
+          <a:p>
+            <a:pPr algn="l"/>
+            <a:r>
+              <a:rPr lang="en-US" sz="7200"/>
+              <a:t>Our Approach</a:t>
+            </a:r>
+            <a:endParaRPr lang="en-US" sz="7200" dirty="0"/>
+          </a:p>
+        </p:txBody>
+      </p:sp>
     </p:spTree>
     <p:extLst>
       <p:ext uri="{BB962C8B-B14F-4D97-AF65-F5344CB8AC3E}">
-        <p14:creationId xmlns:p14="http://schemas.microsoft.com/office/powerpoint/2010/main" val="903007788"/>
+        <p14:creationId xmlns:p14="http://schemas.microsoft.com/office/powerpoint/2010/main" val="62685252"/>
       </p:ext>
     </p:extLst>
   </p:cSld>
@@ -9370,6 +9858,133 @@
           <a:chExt cx="0" cy="0"/>
         </a:xfrm>
       </p:grpSpPr>
+      <p:sp>
+        <p:nvSpPr>
+          <p:cNvPr id="9" name="TextBox 8">
+            <a:extLst>
+              <a:ext uri="{FF2B5EF4-FFF2-40B4-BE49-F238E27FC236}">
+                <a16:creationId xmlns:a16="http://schemas.microsoft.com/office/drawing/2014/main" id="{1ED15764-D92E-6003-D8C1-60C0B674994F}"/>
+              </a:ext>
+            </a:extLst>
+          </p:cNvPr>
+          <p:cNvSpPr txBox="1"/>
+          <p:nvPr/>
+        </p:nvSpPr>
+        <p:spPr>
+          <a:xfrm>
+            <a:off x="-17170400" y="-24976328"/>
+            <a:ext cx="68884800" cy="60248800"/>
+          </a:xfrm>
+          <a:prstGeom prst="rect">
+            <a:avLst/>
+          </a:prstGeom>
+        </p:spPr>
+        <p:txBody>
+          <a:bodyPr vert="horz" lIns="91440" tIns="45720" rIns="91440" bIns="45720" rtlCol="0" anchor="ctr">
+            <a:normAutofit fontScale="85000" lnSpcReduction="20000"/>
+          </a:bodyPr>
+          <a:lstStyle/>
+          <a:p>
+            <a:pPr marL="228600" lvl="1" defTabSz="914400">
+              <a:spcAft>
+                <a:spcPts val="600"/>
+              </a:spcAft>
+            </a:pPr>
+            <a:r>
+              <a:rPr lang="en-US" sz="58000" b="1" dirty="0"/>
+              <a:t>Closeness Centrality: </a:t>
+            </a:r>
+          </a:p>
+          <a:p>
+            <a:pPr marL="228600" lvl="1" defTabSz="914400">
+              <a:spcAft>
+                <a:spcPts val="600"/>
+              </a:spcAft>
+            </a:pPr>
+            <a:r>
+              <a:rPr lang="en-US" sz="58000" b="1" dirty="0"/>
+              <a:t>R² = 0.85, MSE = 0.00034</a:t>
+            </a:r>
+          </a:p>
+          <a:p>
+            <a:pPr marL="228600" lvl="1" defTabSz="914400">
+              <a:spcAft>
+                <a:spcPts val="600"/>
+              </a:spcAft>
+            </a:pPr>
+            <a:r>
+              <a:rPr lang="en-US" sz="58000" b="1" dirty="0"/>
+              <a:t>Betweenness Centrality: </a:t>
+            </a:r>
+          </a:p>
+          <a:p>
+            <a:pPr marL="228600" lvl="1" defTabSz="914400">
+              <a:spcAft>
+                <a:spcPts val="600"/>
+              </a:spcAft>
+            </a:pPr>
+            <a:r>
+              <a:rPr lang="en-US" sz="58000" b="1" dirty="0"/>
+              <a:t>R² = 0.69, MSE = 0.000009</a:t>
+            </a:r>
+          </a:p>
+          <a:p>
+            <a:pPr defTabSz="914400">
+              <a:spcAft>
+                <a:spcPts val="600"/>
+              </a:spcAft>
+            </a:pPr>
+            <a:r>
+              <a:rPr lang="en-US" sz="58000" b="1" dirty="0"/>
+              <a:t>Cross Validation Scores:</a:t>
+            </a:r>
+          </a:p>
+          <a:p>
+            <a:pPr marL="228600" lvl="1" defTabSz="914400">
+              <a:spcAft>
+                <a:spcPts val="600"/>
+              </a:spcAft>
+            </a:pPr>
+            <a:r>
+              <a:rPr lang="en-US" sz="58000" b="1" dirty="0"/>
+              <a:t>Closeness Centrality: </a:t>
+            </a:r>
+          </a:p>
+          <a:p>
+            <a:pPr marL="228600" lvl="1" defTabSz="914400">
+              <a:spcAft>
+                <a:spcPts val="600"/>
+              </a:spcAft>
+            </a:pPr>
+            <a:r>
+              <a:rPr lang="en-US" sz="58000" b="1" dirty="0"/>
+              <a:t>Mean = 0.76</a:t>
+            </a:r>
+          </a:p>
+          <a:p>
+            <a:pPr marL="228600" lvl="1" defTabSz="914400">
+              <a:spcAft>
+                <a:spcPts val="600"/>
+              </a:spcAft>
+            </a:pPr>
+            <a:r>
+              <a:rPr lang="en-US" sz="58000" b="1" dirty="0"/>
+              <a:t>Betweenness Centrality: </a:t>
+            </a:r>
+          </a:p>
+          <a:p>
+            <a:pPr marL="228600" lvl="1" defTabSz="914400">
+              <a:spcAft>
+                <a:spcPts val="600"/>
+              </a:spcAft>
+            </a:pPr>
+            <a:r>
+              <a:rPr lang="en-US" sz="58000" b="1" dirty="0"/>
+              <a:t>Mean = 0.58</a:t>
+            </a:r>
+          </a:p>
+        </p:txBody>
+      </p:sp>
       <p:sp>
         <p:nvSpPr>
           <p:cNvPr id="21" name="Rectangle 20">
@@ -9983,8 +10598,8 @@
           <a:p>
             <a:pPr algn="l"/>
             <a:r>
-              <a:rPr lang="en-US" sz="5800" dirty="0"/>
-              <a:t>Hub Identification in Global Flight Network</a:t>
+              <a:rPr lang="en-US" sz="7200" dirty="0"/>
+              <a:t>Our Approach</a:t>
             </a:r>
           </a:p>
         </p:txBody>
@@ -10033,21 +10648,10 @@
             </a:pPr>
             <a:r>
               <a:rPr lang="en-US" sz="6000" b="1" dirty="0"/>
-              <a:t>Approach: </a:t>
-            </a:r>
-          </a:p>
-          <a:p>
-            <a:pPr defTabSz="914400">
-              <a:spcAft>
-                <a:spcPts val="600"/>
-              </a:spcAft>
-            </a:pPr>
-            <a:r>
-              <a:rPr lang="en-US" sz="4800" b="1" dirty="0"/>
               <a:t>Used Random Forest to predict closeness and betweenness centralities</a:t>
             </a:r>
             <a:r>
-              <a:rPr lang="en-US" sz="5400" b="1" dirty="0"/>
+              <a:rPr lang="en-US" sz="6600" b="1" dirty="0"/>
               <a:t>.</a:t>
             </a:r>
           </a:p>
@@ -10468,6 +11072,150 @@
           </a:p>
         </p:txBody>
       </p:sp>
+      <p:sp>
+        <p:nvSpPr>
+          <p:cNvPr id="6" name="Title 1">
+            <a:extLst>
+              <a:ext uri="{FF2B5EF4-FFF2-40B4-BE49-F238E27FC236}">
+                <a16:creationId xmlns:a16="http://schemas.microsoft.com/office/drawing/2014/main" id="{44D4661F-F43B-2618-EE0C-4C17676E41F9}"/>
+              </a:ext>
+            </a:extLst>
+          </p:cNvPr>
+          <p:cNvSpPr txBox="1">
+            <a:spLocks/>
+          </p:cNvSpPr>
+          <p:nvPr/>
+        </p:nvSpPr>
+        <p:spPr>
+          <a:xfrm>
+            <a:off x="302895" y="-6449568"/>
+            <a:ext cx="8535924" cy="1636399"/>
+          </a:xfrm>
+          <a:prstGeom prst="rect">
+            <a:avLst/>
+          </a:prstGeom>
+        </p:spPr>
+        <p:txBody>
+          <a:bodyPr vert="horz" lIns="91440" tIns="45720" rIns="91440" bIns="45720" rtlCol="0" anchor="ctr">
+            <a:normAutofit/>
+          </a:bodyPr>
+          <a:lstStyle>
+            <a:lvl1pPr algn="ctr" defTabSz="914400" rtl="0" eaLnBrk="1" latinLnBrk="0" hangingPunct="1">
+              <a:lnSpc>
+                <a:spcPct val="100000"/>
+              </a:lnSpc>
+              <a:spcBef>
+                <a:spcPct val="0"/>
+              </a:spcBef>
+              <a:buNone/>
+              <a:defRPr sz="7800" kern="1200">
+                <a:solidFill>
+                  <a:schemeClr val="tx1"/>
+                </a:solidFill>
+                <a:latin typeface="+mj-lt"/>
+                <a:ea typeface="+mj-ea"/>
+                <a:cs typeface="+mj-cs"/>
+              </a:defRPr>
+            </a:lvl1pPr>
+          </a:lstStyle>
+          <a:p>
+            <a:r>
+              <a:rPr lang="en-US" sz="8000"/>
+              <a:t>Global Flight Network</a:t>
+            </a:r>
+            <a:endParaRPr lang="en-US" sz="8000" dirty="0"/>
+          </a:p>
+        </p:txBody>
+      </p:sp>
+      <p:pic>
+        <p:nvPicPr>
+          <p:cNvPr id="7" name="Picture 6" descr="A map of the world with red dots&#10;&#10;Description automatically generated">
+            <a:extLst>
+              <a:ext uri="{FF2B5EF4-FFF2-40B4-BE49-F238E27FC236}">
+                <a16:creationId xmlns:a16="http://schemas.microsoft.com/office/drawing/2014/main" id="{7B7F55FA-19AA-DA65-6319-84609A771579}"/>
+              </a:ext>
+            </a:extLst>
+          </p:cNvPr>
+          <p:cNvPicPr>
+            <a:picLocks noChangeAspect="1"/>
+          </p:cNvPicPr>
+          <p:nvPr/>
+        </p:nvPicPr>
+        <p:blipFill>
+          <a:blip r:embed="rId3"/>
+          <a:stretch>
+            <a:fillRect/>
+          </a:stretch>
+        </p:blipFill>
+        <p:spPr>
+          <a:xfrm>
+            <a:off x="255916" y="-4787309"/>
+            <a:ext cx="8629882" cy="4427323"/>
+          </a:xfrm>
+          <a:prstGeom prst="rect">
+            <a:avLst/>
+          </a:prstGeom>
+        </p:spPr>
+      </p:pic>
+      <p:sp>
+        <p:nvSpPr>
+          <p:cNvPr id="8" name="Title 1">
+            <a:extLst>
+              <a:ext uri="{FF2B5EF4-FFF2-40B4-BE49-F238E27FC236}">
+                <a16:creationId xmlns:a16="http://schemas.microsoft.com/office/drawing/2014/main" id="{6C44BE30-743C-4B93-1222-CA1D3714B8B8}"/>
+              </a:ext>
+            </a:extLst>
+          </p:cNvPr>
+          <p:cNvSpPr txBox="1">
+            <a:spLocks/>
+          </p:cNvSpPr>
+          <p:nvPr/>
+        </p:nvSpPr>
+        <p:spPr>
+          <a:xfrm>
+            <a:off x="-3672840" y="853673"/>
+            <a:ext cx="3017520" cy="5004794"/>
+          </a:xfrm>
+          <a:prstGeom prst="rect">
+            <a:avLst/>
+          </a:prstGeom>
+        </p:spPr>
+        <p:txBody>
+          <a:bodyPr vert="horz" lIns="91440" tIns="45720" rIns="91440" bIns="45720" rtlCol="0" anchor="ctr">
+            <a:normAutofit/>
+          </a:bodyPr>
+          <a:lstStyle>
+            <a:lvl1pPr algn="ctr" defTabSz="914400" rtl="0" eaLnBrk="1" latinLnBrk="0" hangingPunct="1">
+              <a:lnSpc>
+                <a:spcPct val="100000"/>
+              </a:lnSpc>
+              <a:spcBef>
+                <a:spcPct val="0"/>
+              </a:spcBef>
+              <a:buNone/>
+              <a:defRPr sz="7800" kern="1200">
+                <a:solidFill>
+                  <a:schemeClr val="tx1"/>
+                </a:solidFill>
+                <a:latin typeface="+mj-lt"/>
+                <a:ea typeface="+mj-ea"/>
+                <a:cs typeface="+mj-cs"/>
+              </a:defRPr>
+            </a:lvl1pPr>
+          </a:lstStyle>
+          <a:p>
+            <a:pPr>
+              <a:spcAft>
+                <a:spcPts val="600"/>
+              </a:spcAft>
+            </a:pPr>
+            <a:r>
+              <a:rPr lang="en-US" sz="9600" b="1" dirty="0"/>
+              <a:t>Key Metrics</a:t>
+            </a:r>
+          </a:p>
+        </p:txBody>
+      </p:sp>
     </p:spTree>
     <p:extLst>
       <p:ext uri="{BB962C8B-B14F-4D97-AF65-F5344CB8AC3E}">
@@ -10478,13 +11226,13 @@
   <p:clrMapOvr>
     <a:overrideClrMapping bg1="dk1" tx1="lt1" bg2="dk2" tx2="lt2" accent1="accent1" accent2="accent2" accent3="accent3" accent4="accent4" accent5="accent5" accent6="accent6" hlink="hlink" folHlink="folHlink"/>
   </p:clrMapOvr>
-  <mc:AlternateContent xmlns:mc="http://schemas.openxmlformats.org/markup-compatibility/2006">
-    <mc:Choice xmlns:p159="http://schemas.microsoft.com/office/powerpoint/2015/09/main" Requires="p159">
+  <mc:AlternateContent xmlns:mc="http://schemas.openxmlformats.org/markup-compatibility/2006" xmlns:p159="http://schemas.microsoft.com/office/powerpoint/2015/09/main">
+    <mc:Choice Requires="p159">
       <p:transition spd="slow">
         <p159:morph option="byObject"/>
       </p:transition>
     </mc:Choice>
-    <mc:Fallback>
+    <mc:Fallback xmlns="">
       <p:transition spd="slow">
         <p:fade/>
       </p:transition>
@@ -10524,6 +11272,111 @@
           <a:chExt cx="0" cy="0"/>
         </a:xfrm>
       </p:grpSpPr>
+      <p:sp>
+        <p:nvSpPr>
+          <p:cNvPr id="4" name="Title 1">
+            <a:extLst>
+              <a:ext uri="{FF2B5EF4-FFF2-40B4-BE49-F238E27FC236}">
+                <a16:creationId xmlns:a16="http://schemas.microsoft.com/office/drawing/2014/main" id="{8A1F5693-A791-41E3-08BB-D45AB71E0E9C}"/>
+              </a:ext>
+            </a:extLst>
+          </p:cNvPr>
+          <p:cNvSpPr txBox="1">
+            <a:spLocks/>
+          </p:cNvSpPr>
+          <p:nvPr/>
+        </p:nvSpPr>
+        <p:spPr>
+          <a:xfrm>
+            <a:off x="480060" y="853673"/>
+            <a:ext cx="3017520" cy="5004794"/>
+          </a:xfrm>
+          <a:prstGeom prst="rect">
+            <a:avLst/>
+          </a:prstGeom>
+        </p:spPr>
+        <p:txBody>
+          <a:bodyPr vert="horz" lIns="91440" tIns="45720" rIns="91440" bIns="45720" rtlCol="0" anchor="ctr">
+            <a:normAutofit/>
+          </a:bodyPr>
+          <a:lstStyle>
+            <a:lvl1pPr algn="ctr" defTabSz="914400" rtl="0" eaLnBrk="1" latinLnBrk="0" hangingPunct="1">
+              <a:lnSpc>
+                <a:spcPct val="100000"/>
+              </a:lnSpc>
+              <a:spcBef>
+                <a:spcPct val="0"/>
+              </a:spcBef>
+              <a:buNone/>
+              <a:defRPr sz="7800" kern="1200">
+                <a:solidFill>
+                  <a:schemeClr val="tx1"/>
+                </a:solidFill>
+                <a:latin typeface="+mj-lt"/>
+                <a:ea typeface="+mj-ea"/>
+                <a:cs typeface="+mj-cs"/>
+              </a:defRPr>
+            </a:lvl1pPr>
+          </a:lstStyle>
+          <a:p>
+            <a:pPr algn="l"/>
+            <a:r>
+              <a:rPr lang="en-US" sz="100"/>
+              <a:t>Our Approach</a:t>
+            </a:r>
+            <a:endParaRPr lang="en-US" sz="100" dirty="0"/>
+          </a:p>
+        </p:txBody>
+      </p:sp>
+      <p:sp>
+        <p:nvSpPr>
+          <p:cNvPr id="5" name="TextBox 4">
+            <a:extLst>
+              <a:ext uri="{FF2B5EF4-FFF2-40B4-BE49-F238E27FC236}">
+                <a16:creationId xmlns:a16="http://schemas.microsoft.com/office/drawing/2014/main" id="{8F0DB54B-D18D-8D09-33A2-D6BCA074FD71}"/>
+              </a:ext>
+            </a:extLst>
+          </p:cNvPr>
+          <p:cNvSpPr txBox="1"/>
+          <p:nvPr/>
+        </p:nvSpPr>
+        <p:spPr>
+          <a:xfrm>
+            <a:off x="4199312" y="853673"/>
+            <a:ext cx="4286250" cy="5004794"/>
+          </a:xfrm>
+          <a:prstGeom prst="rect">
+            <a:avLst/>
+          </a:prstGeom>
+        </p:spPr>
+        <p:txBody>
+          <a:bodyPr vert="horz" lIns="91440" tIns="45720" rIns="91440" bIns="45720" rtlCol="0" anchor="ctr">
+            <a:normAutofit/>
+          </a:bodyPr>
+          <a:lstStyle/>
+          <a:p>
+            <a:pPr indent="-228600" defTabSz="914400">
+              <a:spcAft>
+                <a:spcPts val="600"/>
+              </a:spcAft>
+              <a:buFont typeface="Arial" panose="020B0604020202020204" pitchFamily="34" charset="0"/>
+              <a:buChar char="•"/>
+            </a:pPr>
+            <a:endParaRPr lang="en-US" sz="100" dirty="0"/>
+          </a:p>
+          <a:p>
+            <a:pPr defTabSz="914400">
+              <a:spcAft>
+                <a:spcPts val="600"/>
+              </a:spcAft>
+            </a:pPr>
+            <a:r>
+              <a:rPr lang="en-US" sz="100" b="1" dirty="0"/>
+              <a:t>Used Random Forest to predict closeness and betweenness centralities.</a:t>
+            </a:r>
+          </a:p>
+        </p:txBody>
+      </p:sp>
       <p:sp>
         <p:nvSpPr>
           <p:cNvPr id="21" name="Rectangle 20">
@@ -11135,10 +11988,14 @@
           </a:bodyPr>
           <a:lstStyle/>
           <a:p>
-            <a:pPr algn="l"/>
+            <a:pPr defTabSz="914400">
+              <a:spcAft>
+                <a:spcPts val="600"/>
+              </a:spcAft>
+            </a:pPr>
             <a:r>
-              <a:rPr lang="en-US" sz="5800" dirty="0"/>
-              <a:t>Hub Identification in Global Flight Network</a:t>
+              <a:rPr lang="en-US" sz="9600" b="1" dirty="0"/>
+              <a:t>Key Metrics</a:t>
             </a:r>
           </a:p>
         </p:txBody>
@@ -11157,8 +12014,8 @@
         </p:nvSpPr>
         <p:spPr>
           <a:xfrm>
-            <a:off x="3860983" y="211676"/>
-            <a:ext cx="5090991" cy="6004327"/>
+            <a:off x="4185432" y="694158"/>
+            <a:ext cx="4279717" cy="5321461"/>
           </a:xfrm>
           <a:prstGeom prst="rect">
             <a:avLst/>
@@ -11166,65 +12023,58 @@
         </p:spPr>
         <p:txBody>
           <a:bodyPr vert="horz" lIns="91440" tIns="45720" rIns="91440" bIns="45720" rtlCol="0" anchor="ctr">
-            <a:normAutofit fontScale="92500" lnSpcReduction="10000"/>
+            <a:normAutofit fontScale="92500" lnSpcReduction="20000"/>
           </a:bodyPr>
           <a:lstStyle/>
           <a:p>
-            <a:pPr indent="-228600" defTabSz="914400">
+            <a:pPr marL="228600" lvl="1" defTabSz="914400">
               <a:spcAft>
                 <a:spcPts val="600"/>
               </a:spcAft>
-              <a:buFont typeface="Arial" panose="020B0604020202020204" pitchFamily="34" charset="0"/>
-              <a:buChar char="•"/>
             </a:pPr>
-            <a:endParaRPr lang="en-US" dirty="0"/>
-          </a:p>
-          <a:p>
-            <a:pPr indent="-228600" defTabSz="914400">
+            <a:r>
+              <a:rPr lang="en-US" sz="4200" b="1" dirty="0"/>
+              <a:t>Closeness Centrality: </a:t>
+            </a:r>
+          </a:p>
+          <a:p>
+            <a:pPr marL="228600" lvl="1" defTabSz="914400">
               <a:spcAft>
                 <a:spcPts val="600"/>
               </a:spcAft>
-              <a:buFont typeface="Arial" panose="020B0604020202020204" pitchFamily="34" charset="0"/>
-              <a:buChar char="•"/>
             </a:pPr>
             <a:r>
               <a:rPr lang="en-US" sz="4200" b="1" dirty="0"/>
-              <a:t>Key Metrics:</a:t>
+              <a:t>R² = 0.85, MSE = 0.00034</a:t>
             </a:r>
           </a:p>
           <a:p>
-            <a:pPr lvl="1" indent="-228600" defTabSz="914400">
+            <a:pPr marL="228600" lvl="1" defTabSz="914400">
               <a:spcAft>
                 <a:spcPts val="600"/>
               </a:spcAft>
-              <a:buFont typeface="Arial" panose="020B0604020202020204" pitchFamily="34" charset="0"/>
-              <a:buChar char="•"/>
             </a:pPr>
             <a:r>
               <a:rPr lang="en-US" sz="4200" b="1" dirty="0"/>
-              <a:t>- Closeness Centrality: R² = 0.85, MSE = 0.00034</a:t>
+              <a:t>Betweenness Centrality: </a:t>
             </a:r>
           </a:p>
           <a:p>
-            <a:pPr lvl="1" indent="-228600" defTabSz="914400">
+            <a:pPr marL="228600" lvl="1" defTabSz="914400">
               <a:spcAft>
                 <a:spcPts val="600"/>
               </a:spcAft>
-              <a:buFont typeface="Arial" panose="020B0604020202020204" pitchFamily="34" charset="0"/>
-              <a:buChar char="•"/>
             </a:pPr>
             <a:r>
               <a:rPr lang="en-US" sz="4200" b="1" dirty="0"/>
-              <a:t>- Betweenness Centrality: R² = 0.69, MSE = 0.000009</a:t>
+              <a:t>R² = 0.69, MSE = 0.000009</a:t>
             </a:r>
           </a:p>
           <a:p>
-            <a:pPr indent="-228600" defTabSz="914400">
+            <a:pPr defTabSz="914400">
               <a:spcAft>
                 <a:spcPts val="600"/>
               </a:spcAft>
-              <a:buFont typeface="Arial" panose="020B0604020202020204" pitchFamily="34" charset="0"/>
-              <a:buChar char="•"/>
             </a:pPr>
             <a:r>
               <a:rPr lang="en-US" sz="4200" b="1" dirty="0"/>
@@ -11232,29 +12082,47 @@
             </a:r>
           </a:p>
           <a:p>
-            <a:pPr lvl="1" indent="-228600" defTabSz="914400">
+            <a:pPr marL="228600" lvl="1" defTabSz="914400">
               <a:spcAft>
                 <a:spcPts val="600"/>
               </a:spcAft>
-              <a:buFont typeface="Arial" panose="020B0604020202020204" pitchFamily="34" charset="0"/>
-              <a:buChar char="•"/>
             </a:pPr>
             <a:r>
               <a:rPr lang="en-US" sz="4200" b="1" dirty="0"/>
-              <a:t>- Closeness Centrality: Mean = 0.76</a:t>
+              <a:t>Closeness Centrality: </a:t>
             </a:r>
           </a:p>
           <a:p>
-            <a:pPr lvl="1" indent="-228600" defTabSz="914400">
+            <a:pPr marL="228600" lvl="1" defTabSz="914400">
               <a:spcAft>
                 <a:spcPts val="600"/>
               </a:spcAft>
-              <a:buFont typeface="Arial" panose="020B0604020202020204" pitchFamily="34" charset="0"/>
-              <a:buChar char="•"/>
             </a:pPr>
             <a:r>
               <a:rPr lang="en-US" sz="4200" b="1" dirty="0"/>
-              <a:t>- Betweenness Centrality: Mean = 0.58</a:t>
+              <a:t>Mean = 0.76</a:t>
+            </a:r>
+          </a:p>
+          <a:p>
+            <a:pPr marL="228600" lvl="1" defTabSz="914400">
+              <a:spcAft>
+                <a:spcPts val="600"/>
+              </a:spcAft>
+            </a:pPr>
+            <a:r>
+              <a:rPr lang="en-US" sz="4200" b="1" dirty="0"/>
+              <a:t>Betweenness Centrality: </a:t>
+            </a:r>
+          </a:p>
+          <a:p>
+            <a:pPr marL="228600" lvl="1" defTabSz="914400">
+              <a:spcAft>
+                <a:spcPts val="600"/>
+              </a:spcAft>
+            </a:pPr>
+            <a:r>
+              <a:rPr lang="en-US" sz="4200" b="1" dirty="0"/>
+              <a:t>Mean = 0.58</a:t>
             </a:r>
           </a:p>
         </p:txBody>
@@ -11674,6 +12542,146 @@
           </a:p>
         </p:txBody>
       </p:sp>
+      <p:pic>
+        <p:nvPicPr>
+          <p:cNvPr id="6" name="Picture 5" descr="A map of the world with red dots&#10;&#10;Description automatically generated">
+            <a:extLst>
+              <a:ext uri="{FF2B5EF4-FFF2-40B4-BE49-F238E27FC236}">
+                <a16:creationId xmlns:a16="http://schemas.microsoft.com/office/drawing/2014/main" id="{75D99B0F-5975-2641-9B2A-A3C286C4D338}"/>
+              </a:ext>
+            </a:extLst>
+          </p:cNvPr>
+          <p:cNvPicPr>
+            <a:picLocks noChangeAspect="1"/>
+          </p:cNvPicPr>
+          <p:nvPr/>
+        </p:nvPicPr>
+        <p:blipFill>
+          <a:blip r:embed="rId3"/>
+          <a:stretch>
+            <a:fillRect/>
+          </a:stretch>
+        </p:blipFill>
+        <p:spPr>
+          <a:xfrm>
+            <a:off x="-4592" y="7100480"/>
+            <a:ext cx="9144000" cy="2636614"/>
+          </a:xfrm>
+          <a:prstGeom prst="rect">
+            <a:avLst/>
+          </a:prstGeom>
+        </p:spPr>
+      </p:pic>
+      <p:pic>
+        <p:nvPicPr>
+          <p:cNvPr id="7" name="Picture 6" descr="A map of the world with red dots&#10;&#10;Description automatically generated">
+            <a:extLst>
+              <a:ext uri="{FF2B5EF4-FFF2-40B4-BE49-F238E27FC236}">
+                <a16:creationId xmlns:a16="http://schemas.microsoft.com/office/drawing/2014/main" id="{A24ED5D4-5DCE-1CD7-2DD5-0DEA25E59D70}"/>
+              </a:ext>
+            </a:extLst>
+          </p:cNvPr>
+          <p:cNvPicPr>
+            <a:picLocks noChangeAspect="1"/>
+          </p:cNvPicPr>
+          <p:nvPr/>
+        </p:nvPicPr>
+        <p:blipFill>
+          <a:blip r:embed="rId4"/>
+          <a:stretch>
+            <a:fillRect/>
+          </a:stretch>
+        </p:blipFill>
+        <p:spPr>
+          <a:xfrm>
+            <a:off x="-4592" y="10008884"/>
+            <a:ext cx="9144000" cy="2270566"/>
+          </a:xfrm>
+          <a:prstGeom prst="rect">
+            <a:avLst/>
+          </a:prstGeom>
+        </p:spPr>
+      </p:pic>
+      <p:sp>
+        <p:nvSpPr>
+          <p:cNvPr id="8" name="TextBox 7">
+            <a:extLst>
+              <a:ext uri="{FF2B5EF4-FFF2-40B4-BE49-F238E27FC236}">
+                <a16:creationId xmlns:a16="http://schemas.microsoft.com/office/drawing/2014/main" id="{1F4251BB-F152-0D85-FED4-0DDCBDFCBDE8}"/>
+              </a:ext>
+            </a:extLst>
+          </p:cNvPr>
+          <p:cNvSpPr txBox="1"/>
+          <p:nvPr/>
+        </p:nvSpPr>
+        <p:spPr>
+          <a:xfrm>
+            <a:off x="101257" y="12357665"/>
+            <a:ext cx="5010150" cy="769441"/>
+          </a:xfrm>
+          <a:prstGeom prst="rect">
+            <a:avLst/>
+          </a:prstGeom>
+          <a:noFill/>
+        </p:spPr>
+        <p:txBody>
+          <a:bodyPr wrap="square">
+            <a:spAutoFit/>
+          </a:bodyPr>
+          <a:lstStyle/>
+          <a:p>
+            <a:pPr defTabSz="914400">
+              <a:spcAft>
+                <a:spcPts val="600"/>
+              </a:spcAft>
+            </a:pPr>
+            <a:r>
+              <a:rPr lang="en-US" sz="4400" b="1" dirty="0"/>
+              <a:t>Closeness Predicted</a:t>
+            </a:r>
+          </a:p>
+        </p:txBody>
+      </p:sp>
+      <p:sp>
+        <p:nvSpPr>
+          <p:cNvPr id="9" name="TextBox 8">
+            <a:extLst>
+              <a:ext uri="{FF2B5EF4-FFF2-40B4-BE49-F238E27FC236}">
+                <a16:creationId xmlns:a16="http://schemas.microsoft.com/office/drawing/2014/main" id="{348C6311-FD70-CD66-FFF3-C7006C756B42}"/>
+              </a:ext>
+            </a:extLst>
+          </p:cNvPr>
+          <p:cNvSpPr txBox="1"/>
+          <p:nvPr/>
+        </p:nvSpPr>
+        <p:spPr>
+          <a:xfrm>
+            <a:off x="101257" y="13032031"/>
+            <a:ext cx="5010150" cy="769441"/>
+          </a:xfrm>
+          <a:prstGeom prst="rect">
+            <a:avLst/>
+          </a:prstGeom>
+          <a:noFill/>
+        </p:spPr>
+        <p:txBody>
+          <a:bodyPr wrap="square">
+            <a:spAutoFit/>
+          </a:bodyPr>
+          <a:lstStyle/>
+          <a:p>
+            <a:pPr defTabSz="914400">
+              <a:spcAft>
+                <a:spcPts val="600"/>
+              </a:spcAft>
+            </a:pPr>
+            <a:r>
+              <a:rPr lang="en-US" sz="4400" b="1" dirty="0"/>
+              <a:t>Closeness Real</a:t>
+            </a:r>
+          </a:p>
+        </p:txBody>
+      </p:sp>
     </p:spTree>
     <p:extLst>
       <p:ext uri="{BB962C8B-B14F-4D97-AF65-F5344CB8AC3E}">
@@ -11684,13 +12692,13 @@
   <p:clrMapOvr>
     <a:overrideClrMapping bg1="dk1" tx1="lt1" bg2="dk2" tx2="lt2" accent1="accent1" accent2="accent2" accent3="accent3" accent4="accent4" accent5="accent5" accent6="accent6" hlink="hlink" folHlink="folHlink"/>
   </p:clrMapOvr>
-  <mc:AlternateContent xmlns:mc="http://schemas.openxmlformats.org/markup-compatibility/2006">
-    <mc:Choice xmlns:p159="http://schemas.microsoft.com/office/powerpoint/2015/09/main" Requires="p159">
+  <mc:AlternateContent xmlns:mc="http://schemas.openxmlformats.org/markup-compatibility/2006" xmlns:p159="http://schemas.microsoft.com/office/powerpoint/2015/09/main">
+    <mc:Choice Requires="p159">
       <p:transition spd="slow">
         <p159:morph option="byObject"/>
       </p:transition>
     </mc:Choice>
-    <mc:Fallback>
+    <mc:Fallback xmlns="">
       <p:transition spd="slow">
         <p:fade/>
       </p:transition>
@@ -11715,7 +12723,7 @@
         <p:cNvPr id="1" name="">
           <a:extLst>
             <a:ext uri="{FF2B5EF4-FFF2-40B4-BE49-F238E27FC236}">
-              <a16:creationId xmlns:a16="http://schemas.microsoft.com/office/drawing/2014/main" id="{50809246-376D-1514-E399-10313A678926}"/>
+              <a16:creationId xmlns:a16="http://schemas.microsoft.com/office/drawing/2014/main" id="{871FE892-DDDD-28A1-3C50-104863C120BE}"/>
             </a:ext>
           </a:extLst>
         </p:cNvPr>
@@ -11732,10 +12740,177 @@
       </p:grpSpPr>
       <p:sp>
         <p:nvSpPr>
+          <p:cNvPr id="17" name="Title 1">
+            <a:extLst>
+              <a:ext uri="{FF2B5EF4-FFF2-40B4-BE49-F238E27FC236}">
+                <a16:creationId xmlns:a16="http://schemas.microsoft.com/office/drawing/2014/main" id="{A3EE3590-2766-D3C0-AA9C-F0481A557D59}"/>
+              </a:ext>
+            </a:extLst>
+          </p:cNvPr>
+          <p:cNvSpPr>
+            <a:spLocks noGrp="1"/>
+          </p:cNvSpPr>
+          <p:nvPr>
+            <p:ph type="title"/>
+          </p:nvPr>
+        </p:nvSpPr>
+        <p:spPr>
+          <a:xfrm>
+            <a:off x="480060" y="853673"/>
+            <a:ext cx="3017520" cy="5004794"/>
+          </a:xfrm>
+        </p:spPr>
+        <p:txBody>
+          <a:bodyPr vert="horz" lIns="91440" tIns="45720" rIns="91440" bIns="45720" rtlCol="0" anchor="ctr">
+            <a:normAutofit/>
+          </a:bodyPr>
+          <a:lstStyle/>
+          <a:p>
+            <a:pPr defTabSz="914400">
+              <a:spcAft>
+                <a:spcPts val="600"/>
+              </a:spcAft>
+            </a:pPr>
+            <a:r>
+              <a:rPr lang="en-US" sz="100" b="1" dirty="0"/>
+              <a:t>Key Metrics</a:t>
+            </a:r>
+          </a:p>
+        </p:txBody>
+      </p:sp>
+      <p:sp>
+        <p:nvSpPr>
+          <p:cNvPr id="18" name="TextBox 17">
+            <a:extLst>
+              <a:ext uri="{FF2B5EF4-FFF2-40B4-BE49-F238E27FC236}">
+                <a16:creationId xmlns:a16="http://schemas.microsoft.com/office/drawing/2014/main" id="{01951869-B85E-8E92-7F0B-E4C64666506C}"/>
+              </a:ext>
+            </a:extLst>
+          </p:cNvPr>
+          <p:cNvSpPr txBox="1"/>
+          <p:nvPr/>
+        </p:nvSpPr>
+        <p:spPr>
+          <a:xfrm>
+            <a:off x="4185432" y="694158"/>
+            <a:ext cx="4279717" cy="5321461"/>
+          </a:xfrm>
+          <a:prstGeom prst="rect">
+            <a:avLst/>
+          </a:prstGeom>
+        </p:spPr>
+        <p:txBody>
+          <a:bodyPr vert="horz" lIns="91440" tIns="45720" rIns="91440" bIns="45720" rtlCol="0" anchor="ctr">
+            <a:normAutofit/>
+          </a:bodyPr>
+          <a:lstStyle/>
+          <a:p>
+            <a:pPr marL="228600" lvl="1" defTabSz="914400">
+              <a:spcAft>
+                <a:spcPts val="600"/>
+              </a:spcAft>
+            </a:pPr>
+            <a:r>
+              <a:rPr lang="en-US" sz="100" b="1" dirty="0"/>
+              <a:t>Closeness Centrality: </a:t>
+            </a:r>
+          </a:p>
+          <a:p>
+            <a:pPr marL="228600" lvl="1" defTabSz="914400">
+              <a:spcAft>
+                <a:spcPts val="600"/>
+              </a:spcAft>
+            </a:pPr>
+            <a:r>
+              <a:rPr lang="en-US" sz="100" b="1" dirty="0"/>
+              <a:t>R² = 0.85, MSE = 0.00034</a:t>
+            </a:r>
+          </a:p>
+          <a:p>
+            <a:pPr marL="228600" lvl="1" defTabSz="914400">
+              <a:spcAft>
+                <a:spcPts val="600"/>
+              </a:spcAft>
+            </a:pPr>
+            <a:r>
+              <a:rPr lang="en-US" sz="100" b="1" dirty="0"/>
+              <a:t>Betweenness Centrality: </a:t>
+            </a:r>
+          </a:p>
+          <a:p>
+            <a:pPr marL="228600" lvl="1" defTabSz="914400">
+              <a:spcAft>
+                <a:spcPts val="600"/>
+              </a:spcAft>
+            </a:pPr>
+            <a:r>
+              <a:rPr lang="en-US" sz="100" b="1" dirty="0"/>
+              <a:t>R² = 0.69, MSE = 0.000009</a:t>
+            </a:r>
+          </a:p>
+          <a:p>
+            <a:pPr defTabSz="914400">
+              <a:spcAft>
+                <a:spcPts val="600"/>
+              </a:spcAft>
+            </a:pPr>
+            <a:r>
+              <a:rPr lang="en-US" sz="100" b="1" dirty="0"/>
+              <a:t>Cross Validation Scores:</a:t>
+            </a:r>
+          </a:p>
+          <a:p>
+            <a:pPr marL="228600" lvl="1" defTabSz="914400">
+              <a:spcAft>
+                <a:spcPts val="600"/>
+              </a:spcAft>
+            </a:pPr>
+            <a:r>
+              <a:rPr lang="en-US" sz="100" b="1" dirty="0"/>
+              <a:t>Closeness Centrality: </a:t>
+            </a:r>
+          </a:p>
+          <a:p>
+            <a:pPr marL="228600" lvl="1" defTabSz="914400">
+              <a:spcAft>
+                <a:spcPts val="600"/>
+              </a:spcAft>
+            </a:pPr>
+            <a:r>
+              <a:rPr lang="en-US" sz="100" b="1" dirty="0"/>
+              <a:t>Mean = 0.76</a:t>
+            </a:r>
+          </a:p>
+          <a:p>
+            <a:pPr marL="228600" lvl="1" defTabSz="914400">
+              <a:spcAft>
+                <a:spcPts val="600"/>
+              </a:spcAft>
+            </a:pPr>
+            <a:r>
+              <a:rPr lang="en-US" sz="100" b="1" dirty="0"/>
+              <a:t>Betweenness Centrality: </a:t>
+            </a:r>
+          </a:p>
+          <a:p>
+            <a:pPr marL="228600" lvl="1" defTabSz="914400">
+              <a:spcAft>
+                <a:spcPts val="600"/>
+              </a:spcAft>
+            </a:pPr>
+            <a:r>
+              <a:rPr lang="en-US" sz="100" b="1" dirty="0"/>
+              <a:t>Mean = 0.58</a:t>
+            </a:r>
+          </a:p>
+        </p:txBody>
+      </p:sp>
+      <p:sp>
+        <p:nvSpPr>
           <p:cNvPr id="21" name="Rectangle 20">
             <a:extLst>
               <a:ext uri="{FF2B5EF4-FFF2-40B4-BE49-F238E27FC236}">
-                <a16:creationId xmlns:a16="http://schemas.microsoft.com/office/drawing/2014/main" id="{EBFCBC24-1A60-0FEB-E912-3975361949B6}"/>
+                <a16:creationId xmlns:a16="http://schemas.microsoft.com/office/drawing/2014/main" id="{D67AC0BE-D091-184E-5B46-8630164C0B9A}"/>
               </a:ext>
               <a:ext uri="{C183D7F6-B498-43B3-948B-1728B52AA6E4}">
                 <adec:decorative xmlns:adec="http://schemas.microsoft.com/office/drawing/2017/decorative" val="1"/>
@@ -12227,7 +13402,7 @@
           <p:cNvPr id="11" name="Rectangle 10">
             <a:extLst>
               <a:ext uri="{FF2B5EF4-FFF2-40B4-BE49-F238E27FC236}">
-                <a16:creationId xmlns:a16="http://schemas.microsoft.com/office/drawing/2014/main" id="{2081FDE1-BCF3-9073-5A8E-3282512C170B}"/>
+                <a16:creationId xmlns:a16="http://schemas.microsoft.com/office/drawing/2014/main" id="{EEFB7777-FB30-68EE-8C94-24CDBE47FCCC}"/>
               </a:ext>
               <a:ext uri="{C183D7F6-B498-43B3-948B-1728B52AA6E4}">
                 <adec:decorative xmlns:adec="http://schemas.microsoft.com/office/drawing/2017/decorative" val="1"/>
@@ -12282,43 +13457,12 @@
           </a:p>
         </p:txBody>
       </p:sp>
-      <p:pic>
-        <p:nvPicPr>
-          <p:cNvPr id="22" name="Picture 21" descr="A green and black pattern of leaves&#10;&#10;Description automatically generated">
-            <a:extLst>
-              <a:ext uri="{FF2B5EF4-FFF2-40B4-BE49-F238E27FC236}">
-                <a16:creationId xmlns:a16="http://schemas.microsoft.com/office/drawing/2014/main" id="{D8867B27-7EBB-0011-A991-DAB17B01E9C1}"/>
-              </a:ext>
-            </a:extLst>
-          </p:cNvPr>
-          <p:cNvPicPr>
-            <a:picLocks noChangeAspect="1"/>
-          </p:cNvPicPr>
-          <p:nvPr/>
-        </p:nvPicPr>
-        <p:blipFill>
-          <a:blip r:embed="rId2">
-            <a:alphaModFix amt="20000"/>
-          </a:blip>
-          <a:srcRect t="5418" b="19582"/>
-          <a:stretch/>
-        </p:blipFill>
-        <p:spPr>
-          <a:xfrm>
-            <a:off x="20" y="10"/>
-            <a:ext cx="9143979" cy="6857990"/>
-          </a:xfrm>
-          <a:prstGeom prst="rect">
-            <a:avLst/>
-          </a:prstGeom>
-        </p:spPr>
-      </p:pic>
       <p:sp>
         <p:nvSpPr>
           <p:cNvPr id="13" name="sketchy content container">
             <a:extLst>
               <a:ext uri="{FF2B5EF4-FFF2-40B4-BE49-F238E27FC236}">
-                <a16:creationId xmlns:a16="http://schemas.microsoft.com/office/drawing/2014/main" id="{C00100FD-97FA-D5B1-88A8-0A6314773EC0}"/>
+                <a16:creationId xmlns:a16="http://schemas.microsoft.com/office/drawing/2014/main" id="{6E926D81-7BD4-B365-F0EB-EEBA9339116E}"/>
               </a:ext>
               <a:ext uri="{C183D7F6-B498-43B3-948B-1728B52AA6E4}">
                 <adec:decorative xmlns:adec="http://schemas.microsoft.com/office/drawing/2017/decorative" val="1"/>
@@ -12730,35 +13874,93 @@
       </p:sp>
       <p:sp>
         <p:nvSpPr>
-          <p:cNvPr id="5" name="Title 4">
+          <p:cNvPr id="4" name="Rectangle 3">
             <a:extLst>
               <a:ext uri="{FF2B5EF4-FFF2-40B4-BE49-F238E27FC236}">
-                <a16:creationId xmlns:a16="http://schemas.microsoft.com/office/drawing/2014/main" id="{3C914E45-5B7A-39E0-EF0B-6EFE25A371FF}"/>
+                <a16:creationId xmlns:a16="http://schemas.microsoft.com/office/drawing/2014/main" id="{12D1ED72-165F-E3CD-BEDC-53342571CE8C}"/>
               </a:ext>
             </a:extLst>
           </p:cNvPr>
-          <p:cNvSpPr>
-            <a:spLocks noGrp="1"/>
-          </p:cNvSpPr>
-          <p:nvPr>
-            <p:ph type="title"/>
-          </p:nvPr>
+          <p:cNvSpPr/>
+          <p:nvPr/>
         </p:nvSpPr>
-        <p:spPr/>
+        <p:spPr>
+          <a:xfrm>
+            <a:off x="-42102" y="-12925"/>
+            <a:ext cx="9183816" cy="6951136"/>
+          </a:xfrm>
+          <a:prstGeom prst="rect">
+            <a:avLst/>
+          </a:prstGeom>
+          <a:solidFill>
+            <a:schemeClr val="bg1"/>
+          </a:solidFill>
+          <a:ln>
+            <a:noFill/>
+          </a:ln>
+        </p:spPr>
+        <p:style>
+          <a:lnRef idx="2">
+            <a:schemeClr val="accent1">
+              <a:shade val="15000"/>
+            </a:schemeClr>
+          </a:lnRef>
+          <a:fillRef idx="1">
+            <a:schemeClr val="accent1"/>
+          </a:fillRef>
+          <a:effectRef idx="0">
+            <a:schemeClr val="accent1"/>
+          </a:effectRef>
+          <a:fontRef idx="minor">
+            <a:schemeClr val="lt1"/>
+          </a:fontRef>
+        </p:style>
         <p:txBody>
-          <a:bodyPr/>
+          <a:bodyPr rtlCol="0" anchor="ctr"/>
           <a:lstStyle/>
           <a:p>
-            <a:endParaRPr lang="en-US" dirty="0"/>
+            <a:pPr algn="ctr"/>
+            <a:endParaRPr lang="en-US"/>
           </a:p>
         </p:txBody>
       </p:sp>
       <p:pic>
         <p:nvPicPr>
-          <p:cNvPr id="9" name="Picture 8" descr="A map of the world with red dots&#10;&#10;Description automatically generated">
+          <p:cNvPr id="22" name="Picture 21" descr="A green and black pattern of leaves&#10;&#10;Description automatically generated">
             <a:extLst>
               <a:ext uri="{FF2B5EF4-FFF2-40B4-BE49-F238E27FC236}">
-                <a16:creationId xmlns:a16="http://schemas.microsoft.com/office/drawing/2014/main" id="{933DF829-2DF8-382E-3AAF-64E0F4B3B587}"/>
+                <a16:creationId xmlns:a16="http://schemas.microsoft.com/office/drawing/2014/main" id="{6E198352-8ADF-3857-8A89-7BFA752E327E}"/>
+              </a:ext>
+            </a:extLst>
+          </p:cNvPr>
+          <p:cNvPicPr>
+            <a:picLocks noChangeAspect="1"/>
+          </p:cNvPicPr>
+          <p:nvPr/>
+        </p:nvPicPr>
+        <p:blipFill>
+          <a:blip r:embed="rId2">
+            <a:alphaModFix amt="20000"/>
+          </a:blip>
+          <a:srcRect t="5418" b="19582"/>
+          <a:stretch/>
+        </p:blipFill>
+        <p:spPr>
+          <a:xfrm>
+            <a:off x="21" y="12935"/>
+            <a:ext cx="9143979" cy="6857990"/>
+          </a:xfrm>
+          <a:prstGeom prst="rect">
+            <a:avLst/>
+          </a:prstGeom>
+        </p:spPr>
+      </p:pic>
+      <p:pic>
+        <p:nvPicPr>
+          <p:cNvPr id="12" name="Picture 11" descr="A map of the world with red dots&#10;&#10;Description automatically generated">
+            <a:extLst>
+              <a:ext uri="{FF2B5EF4-FFF2-40B4-BE49-F238E27FC236}">
+                <a16:creationId xmlns:a16="http://schemas.microsoft.com/office/drawing/2014/main" id="{540D5D73-D453-6505-707B-A8FF984AE17A}"/>
               </a:ext>
             </a:extLst>
           </p:cNvPr>
@@ -12785,10 +13987,10 @@
       </p:pic>
       <p:pic>
         <p:nvPicPr>
-          <p:cNvPr id="12" name="Picture 11" descr="A map of the world with red dots&#10;&#10;Description automatically generated">
+          <p:cNvPr id="14" name="Picture 13" descr="A map of the world with red dots&#10;&#10;Description automatically generated">
             <a:extLst>
               <a:ext uri="{FF2B5EF4-FFF2-40B4-BE49-F238E27FC236}">
-                <a16:creationId xmlns:a16="http://schemas.microsoft.com/office/drawing/2014/main" id="{DD856D70-B35C-97F1-D729-9149F148A501}"/>
+                <a16:creationId xmlns:a16="http://schemas.microsoft.com/office/drawing/2014/main" id="{FF81D9D2-5DE7-50A8-6CAC-665D5675D435}"/>
               </a:ext>
             </a:extLst>
           </p:cNvPr>
@@ -12805,7 +14007,7 @@
         </p:blipFill>
         <p:spPr>
           <a:xfrm>
-            <a:off x="-2286" y="4264757"/>
+            <a:off x="-2286" y="4531233"/>
             <a:ext cx="9144000" cy="2270566"/>
           </a:xfrm>
           <a:prstGeom prst="rect">
@@ -12818,7 +14020,7 @@
           <p:cNvPr id="15" name="TextBox 14">
             <a:extLst>
               <a:ext uri="{FF2B5EF4-FFF2-40B4-BE49-F238E27FC236}">
-                <a16:creationId xmlns:a16="http://schemas.microsoft.com/office/drawing/2014/main" id="{F9E64BB7-821E-B0BF-5417-2D4A498F9A6F}"/>
+                <a16:creationId xmlns:a16="http://schemas.microsoft.com/office/drawing/2014/main" id="{3B0E5C61-E7EA-E8D5-A00D-B7A22D77E9E1}"/>
               </a:ext>
             </a:extLst>
           </p:cNvPr>
@@ -12827,7 +14029,7 @@
         </p:nvSpPr>
         <p:spPr>
           <a:xfrm>
-            <a:off x="-20" y="270256"/>
+            <a:off x="261237" y="154426"/>
             <a:ext cx="5010150" cy="769441"/>
           </a:xfrm>
           <a:prstGeom prst="rect">
@@ -12858,7 +14060,7 @@
           <p:cNvPr id="16" name="TextBox 15">
             <a:extLst>
               <a:ext uri="{FF2B5EF4-FFF2-40B4-BE49-F238E27FC236}">
-                <a16:creationId xmlns:a16="http://schemas.microsoft.com/office/drawing/2014/main" id="{9A901B89-700E-9EA2-430D-D74285094BE3}"/>
+                <a16:creationId xmlns:a16="http://schemas.microsoft.com/office/drawing/2014/main" id="{3B7C7FF7-111F-73AE-90F9-523394BD0FE9}"/>
               </a:ext>
             </a:extLst>
           </p:cNvPr>
@@ -12867,7 +14069,7 @@
         </p:nvSpPr>
         <p:spPr>
           <a:xfrm>
-            <a:off x="-20" y="3632164"/>
+            <a:off x="261237" y="3747465"/>
             <a:ext cx="5010150" cy="769441"/>
           </a:xfrm>
           <a:prstGeom prst="rect">
@@ -12893,10 +14095,158 @@
           </a:p>
         </p:txBody>
       </p:sp>
+      <p:pic>
+        <p:nvPicPr>
+          <p:cNvPr id="19" name="Picture 18" descr="A map of the world with blue dots&#10;&#10;Description automatically generated">
+            <a:extLst>
+              <a:ext uri="{FF2B5EF4-FFF2-40B4-BE49-F238E27FC236}">
+                <a16:creationId xmlns:a16="http://schemas.microsoft.com/office/drawing/2014/main" id="{1352A7F3-AC10-F6EF-DF58-F82E1D4C6092}"/>
+              </a:ext>
+            </a:extLst>
+          </p:cNvPr>
+          <p:cNvPicPr>
+            <a:picLocks noChangeAspect="1"/>
+          </p:cNvPicPr>
+          <p:nvPr/>
+        </p:nvPicPr>
+        <p:blipFill>
+          <a:blip r:embed="rId5"/>
+          <a:stretch>
+            <a:fillRect/>
+          </a:stretch>
+        </p:blipFill>
+        <p:spPr>
+          <a:xfrm>
+            <a:off x="-2286" y="7676065"/>
+            <a:ext cx="9144000" cy="3136140"/>
+          </a:xfrm>
+          <a:prstGeom prst="rect">
+            <a:avLst/>
+          </a:prstGeom>
+        </p:spPr>
+      </p:pic>
+      <p:pic>
+        <p:nvPicPr>
+          <p:cNvPr id="20" name="Picture 19" descr="A map of the world with blue dots&#10;&#10;Description automatically generated">
+            <a:extLst>
+              <a:ext uri="{FF2B5EF4-FFF2-40B4-BE49-F238E27FC236}">
+                <a16:creationId xmlns:a16="http://schemas.microsoft.com/office/drawing/2014/main" id="{3EF60125-2E3E-0EEA-9566-423929D58462}"/>
+              </a:ext>
+            </a:extLst>
+          </p:cNvPr>
+          <p:cNvPicPr>
+            <a:picLocks noChangeAspect="1"/>
+          </p:cNvPicPr>
+          <p:nvPr/>
+        </p:nvPicPr>
+        <p:blipFill>
+          <a:blip r:embed="rId6"/>
+          <a:stretch>
+            <a:fillRect/>
+          </a:stretch>
+        </p:blipFill>
+        <p:spPr>
+          <a:xfrm>
+            <a:off x="-2286" y="8859624"/>
+            <a:ext cx="9144000" cy="3096671"/>
+          </a:xfrm>
+          <a:prstGeom prst="rect">
+            <a:avLst/>
+          </a:prstGeom>
+        </p:spPr>
+      </p:pic>
+      <p:sp>
+        <p:nvSpPr>
+          <p:cNvPr id="23" name="TextBox 22">
+            <a:extLst>
+              <a:ext uri="{FF2B5EF4-FFF2-40B4-BE49-F238E27FC236}">
+                <a16:creationId xmlns:a16="http://schemas.microsoft.com/office/drawing/2014/main" id="{F4417DD0-7E3D-924B-4856-707A3AA1DB9B}"/>
+              </a:ext>
+            </a:extLst>
+          </p:cNvPr>
+          <p:cNvSpPr txBox="1"/>
+          <p:nvPr/>
+        </p:nvSpPr>
+        <p:spPr>
+          <a:xfrm>
+            <a:off x="114280" y="12485829"/>
+            <a:ext cx="5010150" cy="769441"/>
+          </a:xfrm>
+          <a:prstGeom prst="rect">
+            <a:avLst/>
+          </a:prstGeom>
+          <a:noFill/>
+        </p:spPr>
+        <p:txBody>
+          <a:bodyPr wrap="square">
+            <a:spAutoFit/>
+          </a:bodyPr>
+          <a:lstStyle/>
+          <a:p>
+            <a:pPr defTabSz="914400">
+              <a:spcAft>
+                <a:spcPts val="600"/>
+              </a:spcAft>
+            </a:pPr>
+            <a:r>
+              <a:rPr lang="en-US" sz="4400" b="1" dirty="0">
+                <a:solidFill>
+                  <a:schemeClr val="bg1"/>
+                </a:solidFill>
+              </a:rPr>
+              <a:t>Betweenness Predicted</a:t>
+            </a:r>
+          </a:p>
+        </p:txBody>
+      </p:sp>
+      <p:sp>
+        <p:nvSpPr>
+          <p:cNvPr id="24" name="TextBox 23">
+            <a:extLst>
+              <a:ext uri="{FF2B5EF4-FFF2-40B4-BE49-F238E27FC236}">
+                <a16:creationId xmlns:a16="http://schemas.microsoft.com/office/drawing/2014/main" id="{A7F539E2-1710-A610-1955-C43B524BAF45}"/>
+              </a:ext>
+            </a:extLst>
+          </p:cNvPr>
+          <p:cNvSpPr txBox="1"/>
+          <p:nvPr/>
+        </p:nvSpPr>
+        <p:spPr>
+          <a:xfrm>
+            <a:off x="114280" y="13423851"/>
+            <a:ext cx="5010150" cy="769441"/>
+          </a:xfrm>
+          <a:prstGeom prst="rect">
+            <a:avLst/>
+          </a:prstGeom>
+          <a:noFill/>
+        </p:spPr>
+        <p:txBody>
+          <a:bodyPr wrap="square">
+            <a:spAutoFit/>
+          </a:bodyPr>
+          <a:lstStyle/>
+          <a:p>
+            <a:pPr defTabSz="914400">
+              <a:spcAft>
+                <a:spcPts val="600"/>
+              </a:spcAft>
+            </a:pPr>
+            <a:r>
+              <a:rPr lang="en-US" sz="4400" b="1" dirty="0">
+                <a:solidFill>
+                  <a:schemeClr val="bg1"/>
+                </a:solidFill>
+              </a:rPr>
+              <a:t>Betweenness Real</a:t>
+            </a:r>
+          </a:p>
+        </p:txBody>
+      </p:sp>
     </p:spTree>
     <p:extLst>
       <p:ext uri="{BB962C8B-B14F-4D97-AF65-F5344CB8AC3E}">
-        <p14:creationId xmlns:p14="http://schemas.microsoft.com/office/powerpoint/2010/main" val="1591006023"/>
+        <p14:creationId xmlns:p14="http://schemas.microsoft.com/office/powerpoint/2010/main" val="1098322572"/>
       </p:ext>
     </p:extLst>
   </p:cSld>
@@ -12934,7 +14284,7 @@
         <p:cNvPr id="1" name="">
           <a:extLst>
             <a:ext uri="{FF2B5EF4-FFF2-40B4-BE49-F238E27FC236}">
-              <a16:creationId xmlns:a16="http://schemas.microsoft.com/office/drawing/2014/main" id="{B5B00B8D-8501-4661-348E-B631DD56F673}"/>
+              <a16:creationId xmlns:a16="http://schemas.microsoft.com/office/drawing/2014/main" id="{6AE37271-70FD-60D6-B877-05438579CC20}"/>
             </a:ext>
           </a:extLst>
         </p:cNvPr>
@@ -12951,10 +14301,49 @@
       </p:grpSpPr>
       <p:sp>
         <p:nvSpPr>
+          <p:cNvPr id="18" name="TextBox 17">
+            <a:extLst>
+              <a:ext uri="{FF2B5EF4-FFF2-40B4-BE49-F238E27FC236}">
+                <a16:creationId xmlns:a16="http://schemas.microsoft.com/office/drawing/2014/main" id="{8DC39F50-1D44-4199-89A7-353941753D19}"/>
+              </a:ext>
+            </a:extLst>
+          </p:cNvPr>
+          <p:cNvSpPr txBox="1"/>
+          <p:nvPr/>
+        </p:nvSpPr>
+        <p:spPr>
+          <a:xfrm>
+            <a:off x="-12465051" y="-17149983"/>
+            <a:ext cx="41960800" cy="41859200"/>
+          </a:xfrm>
+          <a:prstGeom prst="rect">
+            <a:avLst/>
+          </a:prstGeom>
+        </p:spPr>
+        <p:txBody>
+          <a:bodyPr vert="horz" lIns="91440" tIns="45720" rIns="91440" bIns="45720" rtlCol="0" anchor="ctr">
+            <a:normAutofit fontScale="85000" lnSpcReduction="20000"/>
+          </a:bodyPr>
+          <a:lstStyle/>
+          <a:p>
+            <a:pPr defTabSz="914400">
+              <a:spcAft>
+                <a:spcPts val="600"/>
+              </a:spcAft>
+            </a:pPr>
+            <a:r>
+              <a:rPr lang="en-US" sz="78100" b="1" dirty="0"/>
+              <a:t>Closeness and Betweenness centralities effectively predict hubs.</a:t>
+            </a:r>
+          </a:p>
+        </p:txBody>
+      </p:sp>
+      <p:sp>
+        <p:nvSpPr>
           <p:cNvPr id="21" name="Rectangle 20">
             <a:extLst>
               <a:ext uri="{FF2B5EF4-FFF2-40B4-BE49-F238E27FC236}">
-                <a16:creationId xmlns:a16="http://schemas.microsoft.com/office/drawing/2014/main" id="{E10B9426-32C2-C707-B985-45C88A2BA277}"/>
+                <a16:creationId xmlns:a16="http://schemas.microsoft.com/office/drawing/2014/main" id="{34A9350D-312D-E2C2-24C1-43EBF40D3BB7}"/>
               </a:ext>
               <a:ext uri="{C183D7F6-B498-43B3-948B-1728B52AA6E4}">
                 <adec:decorative xmlns:adec="http://schemas.microsoft.com/office/drawing/2017/decorative" val="1"/>
@@ -13446,7 +14835,7 @@
           <p:cNvPr id="11" name="Rectangle 10">
             <a:extLst>
               <a:ext uri="{FF2B5EF4-FFF2-40B4-BE49-F238E27FC236}">
-                <a16:creationId xmlns:a16="http://schemas.microsoft.com/office/drawing/2014/main" id="{B15D7754-F8D3-E9D7-8E26-861E35C5EE14}"/>
+                <a16:creationId xmlns:a16="http://schemas.microsoft.com/office/drawing/2014/main" id="{16AF24EE-178A-DE57-8D51-56D2E632F659}"/>
               </a:ext>
               <a:ext uri="{C183D7F6-B498-43B3-948B-1728B52AA6E4}">
                 <adec:decorative xmlns:adec="http://schemas.microsoft.com/office/drawing/2017/decorative" val="1"/>
@@ -13501,43 +14890,12 @@
           </a:p>
         </p:txBody>
       </p:sp>
-      <p:pic>
-        <p:nvPicPr>
-          <p:cNvPr id="22" name="Picture 21" descr="A green and black pattern of leaves&#10;&#10;Description automatically generated">
-            <a:extLst>
-              <a:ext uri="{FF2B5EF4-FFF2-40B4-BE49-F238E27FC236}">
-                <a16:creationId xmlns:a16="http://schemas.microsoft.com/office/drawing/2014/main" id="{CCA7DBC2-5E34-85DF-B433-ECDF69E4C5F4}"/>
-              </a:ext>
-            </a:extLst>
-          </p:cNvPr>
-          <p:cNvPicPr>
-            <a:picLocks noChangeAspect="1"/>
-          </p:cNvPicPr>
-          <p:nvPr/>
-        </p:nvPicPr>
-        <p:blipFill>
-          <a:blip r:embed="rId2">
-            <a:alphaModFix amt="20000"/>
-          </a:blip>
-          <a:srcRect t="5418" b="19582"/>
-          <a:stretch/>
-        </p:blipFill>
-        <p:spPr>
-          <a:xfrm>
-            <a:off x="20" y="10"/>
-            <a:ext cx="9143979" cy="6857990"/>
-          </a:xfrm>
-          <a:prstGeom prst="rect">
-            <a:avLst/>
-          </a:prstGeom>
-        </p:spPr>
-      </p:pic>
       <p:sp>
         <p:nvSpPr>
           <p:cNvPr id="13" name="sketchy content container">
             <a:extLst>
               <a:ext uri="{FF2B5EF4-FFF2-40B4-BE49-F238E27FC236}">
-                <a16:creationId xmlns:a16="http://schemas.microsoft.com/office/drawing/2014/main" id="{4456516B-AD68-8FC7-54F6-5650428C8408}"/>
+                <a16:creationId xmlns:a16="http://schemas.microsoft.com/office/drawing/2014/main" id="{854E5C7E-A779-8A21-BBA2-2CD7E811DFDD}"/>
               </a:ext>
               <a:ext uri="{C183D7F6-B498-43B3-948B-1728B52AA6E4}">
                 <adec:decorative xmlns:adec="http://schemas.microsoft.com/office/drawing/2017/decorative" val="1"/>
@@ -13949,35 +15307,93 @@
       </p:sp>
       <p:sp>
         <p:nvSpPr>
-          <p:cNvPr id="5" name="Title 4">
+          <p:cNvPr id="4" name="Rectangle 3">
             <a:extLst>
               <a:ext uri="{FF2B5EF4-FFF2-40B4-BE49-F238E27FC236}">
-                <a16:creationId xmlns:a16="http://schemas.microsoft.com/office/drawing/2014/main" id="{FE92D3EC-3E10-65D2-FA4A-3F5C9B25BA10}"/>
+                <a16:creationId xmlns:a16="http://schemas.microsoft.com/office/drawing/2014/main" id="{2C0C1EEF-690F-3CA2-24D5-21125B87B7D6}"/>
               </a:ext>
             </a:extLst>
           </p:cNvPr>
-          <p:cNvSpPr>
-            <a:spLocks noGrp="1"/>
-          </p:cNvSpPr>
-          <p:nvPr>
-            <p:ph type="title"/>
-          </p:nvPr>
+          <p:cNvSpPr/>
+          <p:nvPr/>
         </p:nvSpPr>
-        <p:spPr/>
+        <p:spPr>
+          <a:xfrm>
+            <a:off x="-42102" y="-12925"/>
+            <a:ext cx="9183816" cy="6951136"/>
+          </a:xfrm>
+          <a:prstGeom prst="rect">
+            <a:avLst/>
+          </a:prstGeom>
+          <a:solidFill>
+            <a:schemeClr val="bg1"/>
+          </a:solidFill>
+          <a:ln>
+            <a:noFill/>
+          </a:ln>
+        </p:spPr>
+        <p:style>
+          <a:lnRef idx="2">
+            <a:schemeClr val="accent1">
+              <a:shade val="15000"/>
+            </a:schemeClr>
+          </a:lnRef>
+          <a:fillRef idx="1">
+            <a:schemeClr val="accent1"/>
+          </a:fillRef>
+          <a:effectRef idx="0">
+            <a:schemeClr val="accent1"/>
+          </a:effectRef>
+          <a:fontRef idx="minor">
+            <a:schemeClr val="lt1"/>
+          </a:fontRef>
+        </p:style>
         <p:txBody>
-          <a:bodyPr/>
+          <a:bodyPr rtlCol="0" anchor="ctr"/>
           <a:lstStyle/>
           <a:p>
+            <a:pPr algn="ctr"/>
             <a:endParaRPr lang="en-US"/>
           </a:p>
         </p:txBody>
       </p:sp>
       <p:pic>
         <p:nvPicPr>
-          <p:cNvPr id="7" name="Picture 6" descr="A map of the world with blue dots&#10;&#10;Description automatically generated">
+          <p:cNvPr id="22" name="Picture 21" descr="A green and black pattern of leaves&#10;&#10;Description automatically generated">
             <a:extLst>
               <a:ext uri="{FF2B5EF4-FFF2-40B4-BE49-F238E27FC236}">
-                <a16:creationId xmlns:a16="http://schemas.microsoft.com/office/drawing/2014/main" id="{3F0ECB4F-64D5-CB3A-E45B-91292023FD5D}"/>
+                <a16:creationId xmlns:a16="http://schemas.microsoft.com/office/drawing/2014/main" id="{0FD99656-3F40-2882-763F-D69C068DE25C}"/>
+              </a:ext>
+            </a:extLst>
+          </p:cNvPr>
+          <p:cNvPicPr>
+            <a:picLocks noChangeAspect="1"/>
+          </p:cNvPicPr>
+          <p:nvPr/>
+        </p:nvPicPr>
+        <p:blipFill>
+          <a:blip r:embed="rId2">
+            <a:alphaModFix amt="20000"/>
+          </a:blip>
+          <a:srcRect t="5418" b="19582"/>
+          <a:stretch/>
+        </p:blipFill>
+        <p:spPr>
+          <a:xfrm>
+            <a:off x="21" y="12935"/>
+            <a:ext cx="9143979" cy="6857990"/>
+          </a:xfrm>
+          <a:prstGeom prst="rect">
+            <a:avLst/>
+          </a:prstGeom>
+        </p:spPr>
+      </p:pic>
+      <p:pic>
+        <p:nvPicPr>
+          <p:cNvPr id="2" name="Picture 1" descr="A map of the world with blue dots&#10;&#10;Description automatically generated">
+            <a:extLst>
+              <a:ext uri="{FF2B5EF4-FFF2-40B4-BE49-F238E27FC236}">
+                <a16:creationId xmlns:a16="http://schemas.microsoft.com/office/drawing/2014/main" id="{94EDC905-232E-3035-FDE1-C12C44911A6F}"/>
               </a:ext>
             </a:extLst>
           </p:cNvPr>
@@ -14004,10 +15420,10 @@
       </p:pic>
       <p:pic>
         <p:nvPicPr>
-          <p:cNvPr id="9" name="Picture 8" descr="A map of the world with blue dots&#10;&#10;Description automatically generated">
+          <p:cNvPr id="3" name="Picture 2" descr="A map of the world with blue dots&#10;&#10;Description automatically generated">
             <a:extLst>
               <a:ext uri="{FF2B5EF4-FFF2-40B4-BE49-F238E27FC236}">
-                <a16:creationId xmlns:a16="http://schemas.microsoft.com/office/drawing/2014/main" id="{8FDE0CF2-9ED5-1350-960D-0449FE58B3A7}"/>
+                <a16:creationId xmlns:a16="http://schemas.microsoft.com/office/drawing/2014/main" id="{61A3F5E0-0DE3-754F-4DF9-93A5CD9600C1}"/>
               </a:ext>
             </a:extLst>
           </p:cNvPr>
@@ -14034,10 +15450,10 @@
       </p:pic>
       <p:sp>
         <p:nvSpPr>
-          <p:cNvPr id="10" name="TextBox 9">
+          <p:cNvPr id="5" name="TextBox 4">
             <a:extLst>
               <a:ext uri="{FF2B5EF4-FFF2-40B4-BE49-F238E27FC236}">
-                <a16:creationId xmlns:a16="http://schemas.microsoft.com/office/drawing/2014/main" id="{7A18C0D2-3A08-C11D-1CAB-92F1BE9B5D04}"/>
+                <a16:creationId xmlns:a16="http://schemas.microsoft.com/office/drawing/2014/main" id="{FF55CA7B-E36A-A74A-56A3-F4C473BBD286}"/>
               </a:ext>
             </a:extLst>
           </p:cNvPr>
@@ -14078,10 +15494,10 @@
       </p:sp>
       <p:sp>
         <p:nvSpPr>
-          <p:cNvPr id="12" name="TextBox 11">
+          <p:cNvPr id="6" name="TextBox 5">
             <a:extLst>
               <a:ext uri="{FF2B5EF4-FFF2-40B4-BE49-F238E27FC236}">
-                <a16:creationId xmlns:a16="http://schemas.microsoft.com/office/drawing/2014/main" id="{33A97EA2-84BF-5CA6-6B8C-D3F30A8C27F2}"/>
+                <a16:creationId xmlns:a16="http://schemas.microsoft.com/office/drawing/2014/main" id="{8C7682E2-12C0-FB97-671D-D650655151E4}"/>
               </a:ext>
             </a:extLst>
           </p:cNvPr>
@@ -14120,10 +15536,187 @@
           </a:p>
         </p:txBody>
       </p:sp>
+      <p:pic>
+        <p:nvPicPr>
+          <p:cNvPr id="7" name="Picture 6" descr="A map of the world with red dots&#10;&#10;Description automatically generated">
+            <a:extLst>
+              <a:ext uri="{FF2B5EF4-FFF2-40B4-BE49-F238E27FC236}">
+                <a16:creationId xmlns:a16="http://schemas.microsoft.com/office/drawing/2014/main" id="{A5C3C2DD-EE77-E38D-57BD-A47ABC869A3A}"/>
+              </a:ext>
+            </a:extLst>
+          </p:cNvPr>
+          <p:cNvPicPr>
+            <a:picLocks noChangeAspect="1"/>
+          </p:cNvPicPr>
+          <p:nvPr/>
+        </p:nvPicPr>
+        <p:blipFill>
+          <a:blip r:embed="rId5"/>
+          <a:stretch>
+            <a:fillRect/>
+          </a:stretch>
+        </p:blipFill>
+        <p:spPr>
+          <a:xfrm>
+            <a:off x="-4592" y="-5664742"/>
+            <a:ext cx="9144000" cy="2636614"/>
+          </a:xfrm>
+          <a:prstGeom prst="rect">
+            <a:avLst/>
+          </a:prstGeom>
+        </p:spPr>
+      </p:pic>
+      <p:pic>
+        <p:nvPicPr>
+          <p:cNvPr id="8" name="Picture 7" descr="A map of the world with red dots&#10;&#10;Description automatically generated">
+            <a:extLst>
+              <a:ext uri="{FF2B5EF4-FFF2-40B4-BE49-F238E27FC236}">
+                <a16:creationId xmlns:a16="http://schemas.microsoft.com/office/drawing/2014/main" id="{03BAA306-397C-215A-9DD4-D27475A82CB4}"/>
+              </a:ext>
+            </a:extLst>
+          </p:cNvPr>
+          <p:cNvPicPr>
+            <a:picLocks noChangeAspect="1"/>
+          </p:cNvPicPr>
+          <p:nvPr/>
+        </p:nvPicPr>
+        <p:blipFill>
+          <a:blip r:embed="rId6"/>
+          <a:stretch>
+            <a:fillRect/>
+          </a:stretch>
+        </p:blipFill>
+        <p:spPr>
+          <a:xfrm>
+            <a:off x="-2286" y="-4496658"/>
+            <a:ext cx="9144000" cy="2270566"/>
+          </a:xfrm>
+          <a:prstGeom prst="rect">
+            <a:avLst/>
+          </a:prstGeom>
+        </p:spPr>
+      </p:pic>
+      <p:sp>
+        <p:nvSpPr>
+          <p:cNvPr id="9" name="TextBox 8">
+            <a:extLst>
+              <a:ext uri="{FF2B5EF4-FFF2-40B4-BE49-F238E27FC236}">
+                <a16:creationId xmlns:a16="http://schemas.microsoft.com/office/drawing/2014/main" id="{CC4B6333-68D9-E245-FAC4-B0BCA48ED979}"/>
+              </a:ext>
+            </a:extLst>
+          </p:cNvPr>
+          <p:cNvSpPr txBox="1"/>
+          <p:nvPr/>
+        </p:nvSpPr>
+        <p:spPr>
+          <a:xfrm>
+            <a:off x="261237" y="-1746951"/>
+            <a:ext cx="5010150" cy="769441"/>
+          </a:xfrm>
+          <a:prstGeom prst="rect">
+            <a:avLst/>
+          </a:prstGeom>
+          <a:noFill/>
+        </p:spPr>
+        <p:txBody>
+          <a:bodyPr wrap="square">
+            <a:spAutoFit/>
+          </a:bodyPr>
+          <a:lstStyle/>
+          <a:p>
+            <a:pPr defTabSz="914400">
+              <a:spcAft>
+                <a:spcPts val="600"/>
+              </a:spcAft>
+            </a:pPr>
+            <a:r>
+              <a:rPr lang="en-US" sz="4400" b="1" dirty="0"/>
+              <a:t>Closeness Predicted</a:t>
+            </a:r>
+          </a:p>
+        </p:txBody>
+      </p:sp>
+      <p:sp>
+        <p:nvSpPr>
+          <p:cNvPr id="10" name="TextBox 9">
+            <a:extLst>
+              <a:ext uri="{FF2B5EF4-FFF2-40B4-BE49-F238E27FC236}">
+                <a16:creationId xmlns:a16="http://schemas.microsoft.com/office/drawing/2014/main" id="{5B61291F-6BCB-6695-828C-87AA2B26985B}"/>
+              </a:ext>
+            </a:extLst>
+          </p:cNvPr>
+          <p:cNvSpPr txBox="1"/>
+          <p:nvPr/>
+        </p:nvSpPr>
+        <p:spPr>
+          <a:xfrm>
+            <a:off x="261237" y="-839055"/>
+            <a:ext cx="5010150" cy="769441"/>
+          </a:xfrm>
+          <a:prstGeom prst="rect">
+            <a:avLst/>
+          </a:prstGeom>
+          <a:noFill/>
+        </p:spPr>
+        <p:txBody>
+          <a:bodyPr wrap="square">
+            <a:spAutoFit/>
+          </a:bodyPr>
+          <a:lstStyle/>
+          <a:p>
+            <a:pPr defTabSz="914400">
+              <a:spcAft>
+                <a:spcPts val="600"/>
+              </a:spcAft>
+            </a:pPr>
+            <a:r>
+              <a:rPr lang="en-US" sz="4400" b="1" dirty="0"/>
+              <a:t>Closeness Real</a:t>
+            </a:r>
+          </a:p>
+        </p:txBody>
+      </p:sp>
+      <p:sp>
+        <p:nvSpPr>
+          <p:cNvPr id="17" name="Title 1">
+            <a:extLst>
+              <a:ext uri="{FF2B5EF4-FFF2-40B4-BE49-F238E27FC236}">
+                <a16:creationId xmlns:a16="http://schemas.microsoft.com/office/drawing/2014/main" id="{24DC9F36-3E54-718F-52B1-B21DD3DBF99B}"/>
+              </a:ext>
+            </a:extLst>
+          </p:cNvPr>
+          <p:cNvSpPr>
+            <a:spLocks noGrp="1"/>
+          </p:cNvSpPr>
+          <p:nvPr>
+            <p:ph type="title"/>
+          </p:nvPr>
+        </p:nvSpPr>
+        <p:spPr>
+          <a:xfrm>
+            <a:off x="-4977315" y="853673"/>
+            <a:ext cx="3017520" cy="5004794"/>
+          </a:xfrm>
+        </p:spPr>
+        <p:txBody>
+          <a:bodyPr vert="horz" lIns="91440" tIns="45720" rIns="91440" bIns="45720" rtlCol="0" anchor="ctr">
+            <a:normAutofit/>
+          </a:bodyPr>
+          <a:lstStyle/>
+          <a:p>
+            <a:pPr algn="l"/>
+            <a:r>
+              <a:rPr lang="en-US" sz="8800" b="1" dirty="0"/>
+              <a:t>Key Insights</a:t>
+            </a:r>
+            <a:endParaRPr lang="en-US" sz="8800" dirty="0"/>
+          </a:p>
+        </p:txBody>
+      </p:sp>
     </p:spTree>
     <p:extLst>
       <p:ext uri="{BB962C8B-B14F-4D97-AF65-F5344CB8AC3E}">
-        <p14:creationId xmlns:p14="http://schemas.microsoft.com/office/powerpoint/2010/main" val="91868448"/>
+        <p14:creationId xmlns:p14="http://schemas.microsoft.com/office/powerpoint/2010/main" val="3795903182"/>
       </p:ext>
     </p:extLst>
   </p:cSld>
@@ -14176,6 +15769,46 @@
           <a:chExt cx="0" cy="0"/>
         </a:xfrm>
       </p:grpSpPr>
+      <p:sp>
+        <p:nvSpPr>
+          <p:cNvPr id="5" name="TextBox 4">
+            <a:extLst>
+              <a:ext uri="{FF2B5EF4-FFF2-40B4-BE49-F238E27FC236}">
+                <a16:creationId xmlns:a16="http://schemas.microsoft.com/office/drawing/2014/main" id="{5F71DF5A-0FDE-2C9E-3A0F-2AD7C655D2DF}"/>
+              </a:ext>
+            </a:extLst>
+          </p:cNvPr>
+          <p:cNvSpPr txBox="1"/>
+          <p:nvPr/>
+        </p:nvSpPr>
+        <p:spPr>
+          <a:xfrm>
+            <a:off x="-14427200" y="-21640800"/>
+            <a:ext cx="53746400" cy="43281600"/>
+          </a:xfrm>
+          <a:prstGeom prst="rect">
+            <a:avLst/>
+          </a:prstGeom>
+        </p:spPr>
+        <p:txBody>
+          <a:bodyPr vert="horz" lIns="91440" tIns="45720" rIns="91440" bIns="45720" rtlCol="0" anchor="ctr">
+            <a:normAutofit fontScale="85000" lnSpcReduction="20000"/>
+          </a:bodyPr>
+          <a:lstStyle/>
+          <a:p>
+            <a:pPr defTabSz="914400">
+              <a:spcAft>
+                <a:spcPts val="600"/>
+              </a:spcAft>
+            </a:pPr>
+            <a:r>
+              <a:rPr lang="en-US" sz="79200" b="1" dirty="0"/>
+              <a:t>Identifying Critical hubs and communities around the world and plan airports construction and expansion.</a:t>
+            </a:r>
+            <a:endParaRPr lang="en-US" sz="114100" b="1" dirty="0"/>
+          </a:p>
+        </p:txBody>
+      </p:sp>
       <p:sp>
         <p:nvSpPr>
           <p:cNvPr id="21" name="Rectangle 20">
@@ -14789,9 +16422,10 @@
           <a:p>
             <a:pPr algn="l"/>
             <a:r>
-              <a:rPr lang="en-US" sz="5800" dirty="0"/>
-              <a:t>Hub Identification in Global Flight Network</a:t>
+              <a:rPr lang="en-US" sz="8800" b="1" dirty="0"/>
+              <a:t>Key Insights</a:t>
             </a:r>
+            <a:endParaRPr lang="en-US" sz="8800" dirty="0"/>
           </a:p>
         </p:txBody>
       </p:sp>
@@ -14822,16 +16456,6 @@
           </a:bodyPr>
           <a:lstStyle/>
           <a:p>
-            <a:pPr indent="-228600" defTabSz="914400">
-              <a:spcAft>
-                <a:spcPts val="600"/>
-              </a:spcAft>
-              <a:buFont typeface="Arial" panose="020B0604020202020204" pitchFamily="34" charset="0"/>
-              <a:buChar char="•"/>
-            </a:pPr>
-            <a:endParaRPr lang="en-US" dirty="0"/>
-          </a:p>
-          <a:p>
             <a:pPr defTabSz="914400">
               <a:spcAft>
                 <a:spcPts val="600"/>
@@ -14839,17 +16463,6 @@
             </a:pPr>
             <a:r>
               <a:rPr lang="en-US" sz="6000" b="1" dirty="0"/>
-              <a:t>Key Insights: </a:t>
-            </a:r>
-          </a:p>
-          <a:p>
-            <a:pPr defTabSz="914400">
-              <a:spcAft>
-                <a:spcPts val="600"/>
-              </a:spcAft>
-            </a:pPr>
-            <a:r>
-              <a:rPr lang="en-US" sz="4800" b="1" dirty="0"/>
               <a:t>Closeness and Betweenness centralities effectively predict hubs.</a:t>
             </a:r>
           </a:p>
@@ -15270,6 +16883,61 @@
           </a:p>
         </p:txBody>
       </p:sp>
+      <p:sp>
+        <p:nvSpPr>
+          <p:cNvPr id="4" name="Title 1">
+            <a:extLst>
+              <a:ext uri="{FF2B5EF4-FFF2-40B4-BE49-F238E27FC236}">
+                <a16:creationId xmlns:a16="http://schemas.microsoft.com/office/drawing/2014/main" id="{717E0580-04DF-27D4-5F85-758584290307}"/>
+              </a:ext>
+            </a:extLst>
+          </p:cNvPr>
+          <p:cNvSpPr txBox="1">
+            <a:spLocks/>
+          </p:cNvSpPr>
+          <p:nvPr/>
+        </p:nvSpPr>
+        <p:spPr>
+          <a:xfrm>
+            <a:off x="-4244340" y="1006073"/>
+            <a:ext cx="3017520" cy="5004794"/>
+          </a:xfrm>
+          <a:prstGeom prst="rect">
+            <a:avLst/>
+          </a:prstGeom>
+        </p:spPr>
+        <p:txBody>
+          <a:bodyPr vert="horz" lIns="91440" tIns="45720" rIns="91440" bIns="45720" rtlCol="0" anchor="ctr">
+            <a:normAutofit/>
+          </a:bodyPr>
+          <a:lstStyle>
+            <a:lvl1pPr algn="ctr" defTabSz="914400" rtl="0" eaLnBrk="1" latinLnBrk="0" hangingPunct="1">
+              <a:lnSpc>
+                <a:spcPct val="100000"/>
+              </a:lnSpc>
+              <a:spcBef>
+                <a:spcPct val="0"/>
+              </a:spcBef>
+              <a:buNone/>
+              <a:defRPr sz="7800" kern="1200">
+                <a:solidFill>
+                  <a:schemeClr val="tx1"/>
+                </a:solidFill>
+                <a:latin typeface="+mj-lt"/>
+                <a:ea typeface="+mj-ea"/>
+                <a:cs typeface="+mj-cs"/>
+              </a:defRPr>
+            </a:lvl1pPr>
+          </a:lstStyle>
+          <a:p>
+            <a:pPr algn="l"/>
+            <a:r>
+              <a:rPr lang="en-US" sz="6600" dirty="0"/>
+              <a:t>Applications</a:t>
+            </a:r>
+          </a:p>
+        </p:txBody>
+      </p:sp>
     </p:spTree>
     <p:extLst>
       <p:ext uri="{BB962C8B-B14F-4D97-AF65-F5344CB8AC3E}">
@@ -15280,13 +16948,13 @@
   <p:clrMapOvr>
     <a:overrideClrMapping bg1="dk1" tx1="lt1" bg2="dk2" tx2="lt2" accent1="accent1" accent2="accent2" accent3="accent3" accent4="accent4" accent5="accent5" accent6="accent6" hlink="hlink" folHlink="folHlink"/>
   </p:clrMapOvr>
-  <mc:AlternateContent xmlns:mc="http://schemas.openxmlformats.org/markup-compatibility/2006">
-    <mc:Choice xmlns:p159="http://schemas.microsoft.com/office/powerpoint/2015/09/main" Requires="p159">
+  <mc:AlternateContent xmlns:mc="http://schemas.openxmlformats.org/markup-compatibility/2006" xmlns:p159="http://schemas.microsoft.com/office/powerpoint/2015/09/main">
+    <mc:Choice Requires="p159">
       <p:transition spd="slow">
         <p159:morph option="byObject"/>
       </p:transition>
     </mc:Choice>
-    <mc:Fallback>
+    <mc:Fallback xmlns="">
       <p:transition spd="slow">
         <p:fade/>
       </p:transition>
@@ -15326,6 +16994,101 @@
           <a:chExt cx="0" cy="0"/>
         </a:xfrm>
       </p:grpSpPr>
+      <p:sp>
+        <p:nvSpPr>
+          <p:cNvPr id="4" name="Title 1">
+            <a:extLst>
+              <a:ext uri="{FF2B5EF4-FFF2-40B4-BE49-F238E27FC236}">
+                <a16:creationId xmlns:a16="http://schemas.microsoft.com/office/drawing/2014/main" id="{3CF82CED-396F-DF74-1B75-8673EC557575}"/>
+              </a:ext>
+            </a:extLst>
+          </p:cNvPr>
+          <p:cNvSpPr txBox="1">
+            <a:spLocks/>
+          </p:cNvSpPr>
+          <p:nvPr/>
+        </p:nvSpPr>
+        <p:spPr>
+          <a:xfrm>
+            <a:off x="632460" y="1006073"/>
+            <a:ext cx="3017520" cy="5004794"/>
+          </a:xfrm>
+          <a:prstGeom prst="rect">
+            <a:avLst/>
+          </a:prstGeom>
+        </p:spPr>
+        <p:txBody>
+          <a:bodyPr vert="horz" lIns="91440" tIns="45720" rIns="91440" bIns="45720" rtlCol="0" anchor="ctr">
+            <a:normAutofit/>
+          </a:bodyPr>
+          <a:lstStyle>
+            <a:lvl1pPr algn="ctr" defTabSz="914400" rtl="0" eaLnBrk="1" latinLnBrk="0" hangingPunct="1">
+              <a:lnSpc>
+                <a:spcPct val="100000"/>
+              </a:lnSpc>
+              <a:spcBef>
+                <a:spcPct val="0"/>
+              </a:spcBef>
+              <a:buNone/>
+              <a:defRPr sz="7800" kern="1200">
+                <a:solidFill>
+                  <a:schemeClr val="tx1"/>
+                </a:solidFill>
+                <a:latin typeface="+mj-lt"/>
+                <a:ea typeface="+mj-ea"/>
+                <a:cs typeface="+mj-cs"/>
+              </a:defRPr>
+            </a:lvl1pPr>
+          </a:lstStyle>
+          <a:p>
+            <a:pPr algn="l"/>
+            <a:r>
+              <a:rPr lang="en-US" sz="1600" b="1"/>
+              <a:t>Key Insights</a:t>
+            </a:r>
+            <a:endParaRPr lang="en-US" sz="1600" dirty="0"/>
+          </a:p>
+        </p:txBody>
+      </p:sp>
+      <p:sp>
+        <p:nvSpPr>
+          <p:cNvPr id="5" name="TextBox 4">
+            <a:extLst>
+              <a:ext uri="{FF2B5EF4-FFF2-40B4-BE49-F238E27FC236}">
+                <a16:creationId xmlns:a16="http://schemas.microsoft.com/office/drawing/2014/main" id="{486B3118-2EFE-8247-E5F3-5D7C85A3F9C3}"/>
+              </a:ext>
+            </a:extLst>
+          </p:cNvPr>
+          <p:cNvSpPr txBox="1"/>
+          <p:nvPr/>
+        </p:nvSpPr>
+        <p:spPr>
+          <a:xfrm>
+            <a:off x="4489978" y="924790"/>
+            <a:ext cx="3975425" cy="5164997"/>
+          </a:xfrm>
+          <a:prstGeom prst="rect">
+            <a:avLst/>
+          </a:prstGeom>
+        </p:spPr>
+        <p:txBody>
+          <a:bodyPr vert="horz" lIns="91440" tIns="45720" rIns="91440" bIns="45720" rtlCol="0" anchor="ctr">
+            <a:normAutofit/>
+          </a:bodyPr>
+          <a:lstStyle/>
+          <a:p>
+            <a:pPr defTabSz="914400">
+              <a:spcAft>
+                <a:spcPts val="600"/>
+              </a:spcAft>
+            </a:pPr>
+            <a:r>
+              <a:rPr lang="en-US" sz="1050" b="1" dirty="0"/>
+              <a:t>Closeness and Betweenness centralities effectively predict hubs.</a:t>
+            </a:r>
+          </a:p>
+        </p:txBody>
+      </p:sp>
       <p:sp>
         <p:nvSpPr>
           <p:cNvPr id="21" name="Rectangle 20">
@@ -15939,8 +17702,8 @@
           <a:p>
             <a:pPr algn="l"/>
             <a:r>
-              <a:rPr lang="en-US" sz="5800" dirty="0"/>
-              <a:t>Hub Identification in Global Flight Network</a:t>
+              <a:rPr lang="en-US" sz="6600" dirty="0"/>
+              <a:t>Applications</a:t>
             </a:r>
           </a:p>
         </p:txBody>
@@ -15978,21 +17741,10 @@
               </a:spcAft>
             </a:pPr>
             <a:r>
-              <a:rPr lang="en-US" sz="6000" b="1" dirty="0"/>
-              <a:t>Applications: </a:t>
+              <a:rPr lang="en-US" sz="5400" b="1" dirty="0"/>
+              <a:t>Identifying Critical hubs and communities around the world and plan airports construction and expansion.</a:t>
             </a:r>
-          </a:p>
-          <a:p>
-            <a:pPr defTabSz="914400">
-              <a:spcAft>
-                <a:spcPts val="600"/>
-              </a:spcAft>
-            </a:pPr>
-            <a:r>
-              <a:rPr lang="en-US" sz="4800" b="1" dirty="0"/>
-              <a:t>Optimize air travel, route planning, and anomaly detection.</a:t>
-            </a:r>
-            <a:endParaRPr lang="en-US" sz="6000" b="1" dirty="0"/>
+            <a:endParaRPr lang="en-US" sz="6600" b="1" dirty="0"/>
           </a:p>
         </p:txBody>
       </p:sp>
@@ -16421,13 +18173,13 @@
   <p:clrMapOvr>
     <a:overrideClrMapping bg1="dk1" tx1="lt1" bg2="dk2" tx2="lt2" accent1="accent1" accent2="accent2" accent3="accent3" accent4="accent4" accent5="accent5" accent6="accent6" hlink="hlink" folHlink="folHlink"/>
   </p:clrMapOvr>
-  <mc:AlternateContent xmlns:mc="http://schemas.openxmlformats.org/markup-compatibility/2006">
-    <mc:Choice xmlns:p159="http://schemas.microsoft.com/office/powerpoint/2015/09/main" Requires="p159">
+  <mc:AlternateContent xmlns:mc="http://schemas.openxmlformats.org/markup-compatibility/2006" xmlns:p159="http://schemas.microsoft.com/office/powerpoint/2015/09/main">
+    <mc:Choice Requires="p159">
       <p:transition spd="slow">
         <p159:morph option="byObject"/>
       </p:transition>
     </mc:Choice>
-    <mc:Fallback>
+    <mc:Fallback xmlns="">
       <p:transition spd="slow">
         <p:fade/>
       </p:transition>

--- a/Lab14 Open Lab/slides.pptx
+++ b/Lab14 Open Lab/slides.pptx
@@ -8170,7 +8170,7 @@
         </p:blipFill>
         <p:spPr>
           <a:xfrm>
-            <a:off x="21" y="12935"/>
+            <a:off x="-22185" y="230649"/>
             <a:ext cx="9143979" cy="6857990"/>
           </a:xfrm>
           <a:prstGeom prst="rect">
@@ -8376,6 +8376,52 @@
               <a:t>Global Flight Network</a:t>
             </a:r>
             <a:endParaRPr lang="en-US" sz="8000" dirty="0"/>
+          </a:p>
+        </p:txBody>
+      </p:sp>
+      <p:sp>
+        <p:nvSpPr>
+          <p:cNvPr id="8" name="TextBox 7">
+            <a:extLst>
+              <a:ext uri="{FF2B5EF4-FFF2-40B4-BE49-F238E27FC236}">
+                <a16:creationId xmlns:a16="http://schemas.microsoft.com/office/drawing/2014/main" id="{04FCF8A4-C26C-B0AC-BD83-C450A251A4B8}"/>
+              </a:ext>
+            </a:extLst>
+          </p:cNvPr>
+          <p:cNvSpPr txBox="1"/>
+          <p:nvPr/>
+        </p:nvSpPr>
+        <p:spPr>
+          <a:xfrm>
+            <a:off x="2046727" y="2976189"/>
+            <a:ext cx="5048260" cy="1061124"/>
+          </a:xfrm>
+          <a:prstGeom prst="rect">
+            <a:avLst/>
+          </a:prstGeom>
+        </p:spPr>
+        <p:txBody>
+          <a:bodyPr vert="horz" lIns="91440" tIns="45720" rIns="91440" bIns="45720" rtlCol="0" anchor="ctr">
+            <a:normAutofit/>
+          </a:bodyPr>
+          <a:lstStyle/>
+          <a:p>
+            <a:pPr defTabSz="914400">
+              <a:spcAft>
+                <a:spcPts val="600"/>
+              </a:spcAft>
+            </a:pPr>
+            <a:r>
+              <a:rPr lang="en-US" sz="4000" dirty="0">
+                <a:solidFill>
+                  <a:schemeClr val="accent6">
+                    <a:lumMod val="40000"/>
+                    <a:lumOff val="60000"/>
+                  </a:schemeClr>
+                </a:solidFill>
+              </a:rPr>
+              <a:t>Please use slideshow for the presentation.</a:t>
+            </a:r>
           </a:p>
         </p:txBody>
       </p:sp>
@@ -9812,13 +9858,13 @@
   <p:clrMapOvr>
     <a:overrideClrMapping bg1="dk1" tx1="lt1" bg2="dk2" tx2="lt2" accent1="accent1" accent2="accent2" accent3="accent3" accent4="accent4" accent5="accent5" accent6="accent6" hlink="hlink" folHlink="folHlink"/>
   </p:clrMapOvr>
-  <mc:AlternateContent xmlns:mc="http://schemas.openxmlformats.org/markup-compatibility/2006">
-    <mc:Choice xmlns:p159="http://schemas.microsoft.com/office/powerpoint/2015/09/main" Requires="p159">
+  <mc:AlternateContent xmlns:mc="http://schemas.openxmlformats.org/markup-compatibility/2006" xmlns:p159="http://schemas.microsoft.com/office/powerpoint/2015/09/main">
+    <mc:Choice Requires="p159">
       <p:transition spd="slow">
         <p159:morph option="byObject"/>
       </p:transition>
     </mc:Choice>
-    <mc:Fallback>
+    <mc:Fallback xmlns="">
       <p:transition spd="slow">
         <p:fade/>
       </p:transition>
@@ -14253,13 +14299,13 @@
   <p:clrMapOvr>
     <a:overrideClrMapping bg1="dk1" tx1="lt1" bg2="dk2" tx2="lt2" accent1="accent1" accent2="accent2" accent3="accent3" accent4="accent4" accent5="accent5" accent6="accent6" hlink="hlink" folHlink="folHlink"/>
   </p:clrMapOvr>
-  <mc:AlternateContent xmlns:mc="http://schemas.openxmlformats.org/markup-compatibility/2006">
-    <mc:Choice xmlns:p159="http://schemas.microsoft.com/office/powerpoint/2015/09/main" Requires="p159">
+  <mc:AlternateContent xmlns:mc="http://schemas.openxmlformats.org/markup-compatibility/2006" xmlns:p159="http://schemas.microsoft.com/office/powerpoint/2015/09/main">
+    <mc:Choice Requires="p159">
       <p:transition spd="slow">
         <p159:morph option="byObject"/>
       </p:transition>
     </mc:Choice>
-    <mc:Fallback>
+    <mc:Fallback xmlns="">
       <p:transition spd="slow">
         <p:fade/>
       </p:transition>
@@ -15723,13 +15769,13 @@
   <p:clrMapOvr>
     <a:overrideClrMapping bg1="dk1" tx1="lt1" bg2="dk2" tx2="lt2" accent1="accent1" accent2="accent2" accent3="accent3" accent4="accent4" accent5="accent5" accent6="accent6" hlink="hlink" folHlink="folHlink"/>
   </p:clrMapOvr>
-  <mc:AlternateContent xmlns:mc="http://schemas.openxmlformats.org/markup-compatibility/2006">
-    <mc:Choice xmlns:p159="http://schemas.microsoft.com/office/powerpoint/2015/09/main" Requires="p159">
+  <mc:AlternateContent xmlns:mc="http://schemas.openxmlformats.org/markup-compatibility/2006" xmlns:p159="http://schemas.microsoft.com/office/powerpoint/2015/09/main">
+    <mc:Choice Requires="p159">
       <p:transition spd="slow">
         <p159:morph option="byObject"/>
       </p:transition>
     </mc:Choice>
-    <mc:Fallback>
+    <mc:Fallback xmlns="">
       <p:transition spd="slow">
         <p:fade/>
       </p:transition>

--- a/Lab14 Open Lab/slides.pptx
+++ b/Lab14 Open Lab/slides.pptx
@@ -618,7 +618,7 @@
           <a:p>
             <a:fld id="{72345051-2045-45DA-935E-2E3CA1A69ADC}" type="datetimeFigureOut">
               <a:rPr lang="en-US" smtClean="0"/>
-              <a:t>12/29/2024</a:t>
+              <a:t>12/30/2024</a:t>
             </a:fld>
             <a:endParaRPr lang="en-US" dirty="0"/>
           </a:p>
@@ -828,7 +828,7 @@
           <a:p>
             <a:fld id="{72345051-2045-45DA-935E-2E3CA1A69ADC}" type="datetimeFigureOut">
               <a:rPr lang="en-US" smtClean="0"/>
-              <a:t>12/29/2024</a:t>
+              <a:t>12/30/2024</a:t>
             </a:fld>
             <a:endParaRPr lang="en-US"/>
           </a:p>
@@ -1048,7 +1048,7 @@
           <a:p>
             <a:fld id="{72345051-2045-45DA-935E-2E3CA1A69ADC}" type="datetimeFigureOut">
               <a:rPr lang="en-US" smtClean="0"/>
-              <a:t>12/29/2024</a:t>
+              <a:t>12/30/2024</a:t>
             </a:fld>
             <a:endParaRPr lang="en-US"/>
           </a:p>
@@ -1282,7 +1282,7 @@
           <a:p>
             <a:fld id="{72345051-2045-45DA-935E-2E3CA1A69ADC}" type="datetimeFigureOut">
               <a:rPr lang="en-US" smtClean="0"/>
-              <a:t>12/29/2024</a:t>
+              <a:t>12/30/2024</a:t>
             </a:fld>
             <a:endParaRPr lang="en-US"/>
           </a:p>
@@ -2205,7 +2205,7 @@
           <a:p>
             <a:fld id="{72345051-2045-45DA-935E-2E3CA1A69ADC}" type="datetimeFigureOut">
               <a:rPr lang="en-US" smtClean="0"/>
-              <a:t>12/29/2024</a:t>
+              <a:t>12/30/2024</a:t>
             </a:fld>
             <a:endParaRPr lang="en-US"/>
           </a:p>
@@ -2820,7 +2820,7 @@
           <a:p>
             <a:fld id="{72345051-2045-45DA-935E-2E3CA1A69ADC}" type="datetimeFigureOut">
               <a:rPr lang="en-US" smtClean="0"/>
-              <a:t>12/29/2024</a:t>
+              <a:t>12/30/2024</a:t>
             </a:fld>
             <a:endParaRPr lang="en-US"/>
           </a:p>
@@ -3880,7 +3880,7 @@
           <a:p>
             <a:fld id="{72345051-2045-45DA-935E-2E3CA1A69ADC}" type="datetimeFigureOut">
               <a:rPr lang="en-US" smtClean="0"/>
-              <a:t>12/29/2024</a:t>
+              <a:t>12/30/2024</a:t>
             </a:fld>
             <a:endParaRPr lang="en-US"/>
           </a:p>
@@ -4676,7 +4676,7 @@
           <a:p>
             <a:fld id="{72345051-2045-45DA-935E-2E3CA1A69ADC}" type="datetimeFigureOut">
               <a:rPr lang="en-US" smtClean="0"/>
-              <a:t>12/29/2024</a:t>
+              <a:t>12/30/2024</a:t>
             </a:fld>
             <a:endParaRPr lang="en-US"/>
           </a:p>
@@ -5137,7 +5137,7 @@
           <a:p>
             <a:fld id="{72345051-2045-45DA-935E-2E3CA1A69ADC}" type="datetimeFigureOut">
               <a:rPr lang="en-US" smtClean="0"/>
-              <a:t>12/29/2024</a:t>
+              <a:t>12/30/2024</a:t>
             </a:fld>
             <a:endParaRPr lang="en-US"/>
           </a:p>
@@ -5466,7 +5466,7 @@
           <a:p>
             <a:fld id="{72345051-2045-45DA-935E-2E3CA1A69ADC}" type="datetimeFigureOut">
               <a:rPr lang="en-US" smtClean="0"/>
-              <a:t>12/29/2024</a:t>
+              <a:t>12/30/2024</a:t>
             </a:fld>
             <a:endParaRPr lang="en-US"/>
           </a:p>
@@ -6106,7 +6106,7 @@
           <a:p>
             <a:fld id="{72345051-2045-45DA-935E-2E3CA1A69ADC}" type="datetimeFigureOut">
               <a:rPr lang="en-US" smtClean="0"/>
-              <a:t>12/29/2024</a:t>
+              <a:t>12/30/2024</a:t>
             </a:fld>
             <a:endParaRPr lang="en-US"/>
           </a:p>
@@ -6691,7 +6691,7 @@
           <a:p>
             <a:fld id="{72345051-2045-45DA-935E-2E3CA1A69ADC}" type="datetimeFigureOut">
               <a:rPr lang="en-US" smtClean="0"/>
-              <a:t>12/29/2024</a:t>
+              <a:t>12/30/2024</a:t>
             </a:fld>
             <a:endParaRPr lang="en-US" dirty="0"/>
           </a:p>
@@ -8170,7 +8170,7 @@
         </p:blipFill>
         <p:spPr>
           <a:xfrm>
-            <a:off x="-22185" y="230649"/>
+            <a:off x="-2265" y="77666"/>
             <a:ext cx="9143979" cy="6857990"/>
           </a:xfrm>
           <a:prstGeom prst="rect">
